--- a/docs/pos_tagging_prezentare.pptx
+++ b/docs/pos_tagging_prezentare.pptx
@@ -2289,8 +2289,8 @@
           </a:custGeom>
         </p:spPr>
       </p:sp>
-      <mc:AlternateContent xmlns:mc="http://schemas.openxmlformats.org/markup-compatibility/2006">
-        <mc:Choice xmlns:a14="http://schemas.microsoft.com/office/drawing/2010/main" Requires="a14">
+      <mc:AlternateContent xmlns:mc="http://schemas.openxmlformats.org/markup-compatibility/2006" xmlns:a14="http://schemas.microsoft.com/office/drawing/2010/main">
+        <mc:Choice Requires="a14">
           <p:sp>
             <p:nvSpPr>
               <p:cNvPr id="91" name="Google Shape;91;g3606f1c2d_30:notes"/>
@@ -2863,7 +2863,7 @@
             </p:txBody>
           </p:sp>
         </mc:Choice>
-        <mc:Fallback>
+        <mc:Fallback xmlns="">
           <p:sp>
             <p:nvSpPr>
               <p:cNvPr id="91" name="Google Shape;91;g3606f1c2d_30:notes"/>
@@ -3456,8 +3456,8 @@
           </a:custGeom>
         </p:spPr>
       </p:sp>
-      <mc:AlternateContent xmlns:mc="http://schemas.openxmlformats.org/markup-compatibility/2006">
-        <mc:Choice xmlns:a14="http://schemas.microsoft.com/office/drawing/2010/main" Requires="a14">
+      <mc:AlternateContent xmlns:mc="http://schemas.openxmlformats.org/markup-compatibility/2006" xmlns:a14="http://schemas.microsoft.com/office/drawing/2010/main">
+        <mc:Choice Requires="a14">
           <p:sp>
             <p:nvSpPr>
               <p:cNvPr id="91" name="Google Shape;91;g3606f1c2d_30:notes"/>
@@ -4388,7 +4388,7 @@
             </p:txBody>
           </p:sp>
         </mc:Choice>
-        <mc:Fallback>
+        <mc:Fallback xmlns="">
           <p:sp>
             <p:nvSpPr>
               <p:cNvPr id="91" name="Google Shape;91;g3606f1c2d_30:notes"/>
@@ -13973,7 +13973,7 @@
             </a:pPr>
             <a:r>
               <a:rPr lang="ro-RO" sz="1200" dirty="0"/>
-              <a:t>Modelul  Markov cu stări ascunse este o generalizare avansată de la </a:t>
+              <a:t>      Modelul  Markov cu stări ascunse este o generalizare avansată de la </a:t>
             </a:r>
             <a:r>
               <a:rPr lang="ro-RO" sz="1200" b="1" dirty="0"/>
@@ -14036,7 +14036,7 @@
             </a:pPr>
             <a:r>
               <a:rPr lang="ro-RO" sz="1200" dirty="0"/>
-              <a:t>Lanțul Markov vine cu următoarea ipoteză importantă „pentru a putea prezice viitorul într-o secvență de stări, tot ce contează este starea curentă”. Toate stările de dinaintea stării curente nu au niciun impact și pot fi eliminate. Formula (2.1) descrie matematic această ipoteză:</a:t>
+              <a:t>      Lanțul Markov vine cu următoarea ipoteză importantă „pentru a putea prezice viitorul într-o secvență de stări, tot ce contează este starea curentă”. Toate stările de dinaintea stării curente nu au niciun impact și pot fi eliminate. Formula de mai jos descrie matematic această ipoteză:</a:t>
             </a:r>
           </a:p>
         </p:txBody>
@@ -14071,313 +14071,683 @@
           </a:prstGeom>
         </p:spPr>
       </p:pic>
-      <p:sp>
-        <p:nvSpPr>
-          <p:cNvPr id="11" name="Google Shape;125;p17">
-            <a:extLst>
-              <a:ext uri="{FF2B5EF4-FFF2-40B4-BE49-F238E27FC236}">
-                <a16:creationId xmlns:a16="http://schemas.microsoft.com/office/drawing/2014/main" id="{489346E6-1620-4057-BE87-832B50946AF6}"/>
-              </a:ext>
-            </a:extLst>
-          </p:cNvPr>
-          <p:cNvSpPr txBox="1">
-            <a:spLocks/>
-          </p:cNvSpPr>
-          <p:nvPr/>
-        </p:nvSpPr>
-        <p:spPr>
-          <a:xfrm>
-            <a:off x="666510" y="3785625"/>
-            <a:ext cx="5347288" cy="829909"/>
-          </a:xfrm>
-          <a:prstGeom prst="rect">
-            <a:avLst/>
-          </a:prstGeom>
-          <a:noFill/>
-          <a:ln>
-            <a:noFill/>
-          </a:ln>
-        </p:spPr>
-        <p:txBody>
-          <a:bodyPr spcFirstLastPara="1" wrap="square" lIns="91425" tIns="91425" rIns="91425" bIns="91425" anchor="t" anchorCtr="0">
-            <a:noAutofit/>
-          </a:bodyPr>
-          <a:lstStyle>
-            <a:defPPr marR="0" lvl="0" algn="l" rtl="0">
-              <a:lnSpc>
-                <a:spcPct val="100000"/>
-              </a:lnSpc>
-              <a:spcBef>
-                <a:spcPts val="0"/>
-              </a:spcBef>
-              <a:spcAft>
-                <a:spcPts val="0"/>
-              </a:spcAft>
-            </a:defPPr>
-            <a:lvl1pPr marL="457200" marR="0" lvl="0" indent="-355600" algn="l" rtl="0">
-              <a:lnSpc>
-                <a:spcPct val="100000"/>
-              </a:lnSpc>
-              <a:spcBef>
-                <a:spcPts val="600"/>
-              </a:spcBef>
-              <a:spcAft>
-                <a:spcPts val="0"/>
-              </a:spcAft>
-              <a:buClr>
-                <a:schemeClr val="accent6"/>
-              </a:buClr>
-              <a:buSzPts val="2000"/>
-              <a:buFont typeface="Lato"/>
-              <a:buChar char="▷"/>
-              <a:defRPr sz="2000" b="0" i="0" u="none" strike="noStrike" cap="none">
-                <a:solidFill>
-                  <a:schemeClr val="dk1"/>
-                </a:solidFill>
-                <a:latin typeface="Lato"/>
-                <a:ea typeface="Lato"/>
-                <a:cs typeface="Lato"/>
-                <a:sym typeface="Lato"/>
-              </a:defRPr>
-            </a:lvl1pPr>
-            <a:lvl2pPr marL="914400" marR="0" lvl="1" indent="-355600" algn="l" rtl="0">
-              <a:lnSpc>
-                <a:spcPct val="100000"/>
-              </a:lnSpc>
-              <a:spcBef>
-                <a:spcPts val="0"/>
-              </a:spcBef>
-              <a:spcAft>
-                <a:spcPts val="0"/>
-              </a:spcAft>
-              <a:buClr>
-                <a:schemeClr val="dk1"/>
-              </a:buClr>
-              <a:buSzPts val="2000"/>
-              <a:buFont typeface="Lato"/>
-              <a:buChar char="○"/>
-              <a:defRPr sz="2000" b="0" i="0" u="none" strike="noStrike" cap="none">
-                <a:solidFill>
-                  <a:schemeClr val="dk1"/>
-                </a:solidFill>
-                <a:latin typeface="Lato"/>
-                <a:ea typeface="Lato"/>
-                <a:cs typeface="Lato"/>
-                <a:sym typeface="Lato"/>
-              </a:defRPr>
-            </a:lvl2pPr>
-            <a:lvl3pPr marL="1371600" marR="0" lvl="2" indent="-355600" algn="l" rtl="0">
-              <a:lnSpc>
-                <a:spcPct val="100000"/>
-              </a:lnSpc>
-              <a:spcBef>
-                <a:spcPts val="0"/>
-              </a:spcBef>
-              <a:spcAft>
-                <a:spcPts val="0"/>
-              </a:spcAft>
-              <a:buClr>
-                <a:schemeClr val="dk1"/>
-              </a:buClr>
-              <a:buSzPts val="2000"/>
-              <a:buFont typeface="Lato"/>
-              <a:buChar char="■"/>
-              <a:defRPr sz="2000" b="0" i="0" u="none" strike="noStrike" cap="none">
-                <a:solidFill>
-                  <a:schemeClr val="dk1"/>
-                </a:solidFill>
-                <a:latin typeface="Lato"/>
-                <a:ea typeface="Lato"/>
-                <a:cs typeface="Lato"/>
-                <a:sym typeface="Lato"/>
-              </a:defRPr>
-            </a:lvl3pPr>
-            <a:lvl4pPr marL="1828800" marR="0" lvl="3" indent="-355600" algn="l" rtl="0">
-              <a:lnSpc>
-                <a:spcPct val="100000"/>
-              </a:lnSpc>
-              <a:spcBef>
-                <a:spcPts val="0"/>
-              </a:spcBef>
-              <a:spcAft>
-                <a:spcPts val="0"/>
-              </a:spcAft>
-              <a:buClr>
-                <a:schemeClr val="dk1"/>
-              </a:buClr>
-              <a:buSzPts val="2000"/>
-              <a:buFont typeface="Lato"/>
-              <a:buChar char="●"/>
-              <a:defRPr sz="2000" b="0" i="0" u="none" strike="noStrike" cap="none">
-                <a:solidFill>
-                  <a:schemeClr val="dk1"/>
-                </a:solidFill>
-                <a:latin typeface="Lato"/>
-                <a:ea typeface="Lato"/>
-                <a:cs typeface="Lato"/>
-                <a:sym typeface="Lato"/>
-              </a:defRPr>
-            </a:lvl4pPr>
-            <a:lvl5pPr marL="2286000" marR="0" lvl="4" indent="-355600" algn="l" rtl="0">
-              <a:lnSpc>
-                <a:spcPct val="100000"/>
-              </a:lnSpc>
-              <a:spcBef>
-                <a:spcPts val="0"/>
-              </a:spcBef>
-              <a:spcAft>
-                <a:spcPts val="0"/>
-              </a:spcAft>
-              <a:buClr>
-                <a:schemeClr val="dk1"/>
-              </a:buClr>
-              <a:buSzPts val="2000"/>
-              <a:buFont typeface="Lato"/>
-              <a:buChar char="○"/>
-              <a:defRPr sz="2000" b="0" i="0" u="none" strike="noStrike" cap="none">
-                <a:solidFill>
-                  <a:schemeClr val="dk1"/>
-                </a:solidFill>
-                <a:latin typeface="Lato"/>
-                <a:ea typeface="Lato"/>
-                <a:cs typeface="Lato"/>
-                <a:sym typeface="Lato"/>
-              </a:defRPr>
-            </a:lvl5pPr>
-            <a:lvl6pPr marL="2743200" marR="0" lvl="5" indent="-355600" algn="l" rtl="0">
-              <a:lnSpc>
-                <a:spcPct val="100000"/>
-              </a:lnSpc>
-              <a:spcBef>
-                <a:spcPts val="0"/>
-              </a:spcBef>
-              <a:spcAft>
-                <a:spcPts val="0"/>
-              </a:spcAft>
-              <a:buClr>
-                <a:schemeClr val="dk1"/>
-              </a:buClr>
-              <a:buSzPts val="2000"/>
-              <a:buFont typeface="Lato"/>
-              <a:buChar char="■"/>
-              <a:defRPr sz="2000" b="0" i="0" u="none" strike="noStrike" cap="none">
-                <a:solidFill>
-                  <a:schemeClr val="dk1"/>
-                </a:solidFill>
-                <a:latin typeface="Lato"/>
-                <a:ea typeface="Lato"/>
-                <a:cs typeface="Lato"/>
-                <a:sym typeface="Lato"/>
-              </a:defRPr>
-            </a:lvl6pPr>
-            <a:lvl7pPr marL="3200400" marR="0" lvl="6" indent="-355600" algn="l" rtl="0">
-              <a:lnSpc>
-                <a:spcPct val="100000"/>
-              </a:lnSpc>
-              <a:spcBef>
-                <a:spcPts val="0"/>
-              </a:spcBef>
-              <a:spcAft>
-                <a:spcPts val="0"/>
-              </a:spcAft>
-              <a:buClr>
-                <a:schemeClr val="dk1"/>
-              </a:buClr>
-              <a:buSzPts val="2000"/>
-              <a:buFont typeface="Lato"/>
-              <a:buChar char="●"/>
-              <a:defRPr sz="2000" b="0" i="0" u="none" strike="noStrike" cap="none">
-                <a:solidFill>
-                  <a:schemeClr val="dk1"/>
-                </a:solidFill>
-                <a:latin typeface="Lato"/>
-                <a:ea typeface="Lato"/>
-                <a:cs typeface="Lato"/>
-                <a:sym typeface="Lato"/>
-              </a:defRPr>
-            </a:lvl7pPr>
-            <a:lvl8pPr marL="3657600" marR="0" lvl="7" indent="-355600" algn="l" rtl="0">
-              <a:lnSpc>
-                <a:spcPct val="100000"/>
-              </a:lnSpc>
-              <a:spcBef>
-                <a:spcPts val="0"/>
-              </a:spcBef>
-              <a:spcAft>
-                <a:spcPts val="0"/>
-              </a:spcAft>
-              <a:buClr>
-                <a:schemeClr val="dk1"/>
-              </a:buClr>
-              <a:buSzPts val="2000"/>
-              <a:buFont typeface="Lato"/>
-              <a:buChar char="○"/>
-              <a:defRPr sz="2000" b="0" i="0" u="none" strike="noStrike" cap="none">
-                <a:solidFill>
-                  <a:schemeClr val="dk1"/>
-                </a:solidFill>
-                <a:latin typeface="Lato"/>
-                <a:ea typeface="Lato"/>
-                <a:cs typeface="Lato"/>
-                <a:sym typeface="Lato"/>
-              </a:defRPr>
-            </a:lvl8pPr>
-            <a:lvl9pPr marL="4114800" marR="0" lvl="8" indent="-355600" algn="l" rtl="0">
-              <a:lnSpc>
-                <a:spcPct val="100000"/>
-              </a:lnSpc>
-              <a:spcBef>
-                <a:spcPts val="0"/>
-              </a:spcBef>
-              <a:spcAft>
-                <a:spcPts val="0"/>
-              </a:spcAft>
-              <a:buClr>
-                <a:schemeClr val="dk1"/>
-              </a:buClr>
-              <a:buSzPts val="2000"/>
-              <a:buFont typeface="Lato"/>
-              <a:buChar char="■"/>
-              <a:defRPr sz="2000" b="0" i="0" u="none" strike="noStrike" cap="none">
-                <a:solidFill>
-                  <a:schemeClr val="dk1"/>
-                </a:solidFill>
-                <a:latin typeface="Lato"/>
-                <a:ea typeface="Lato"/>
-                <a:cs typeface="Lato"/>
-                <a:sym typeface="Lato"/>
-              </a:defRPr>
-            </a:lvl9pPr>
-          </a:lstStyle>
-          <a:p>
-            <a:pPr marL="0" marR="0" lvl="0" indent="0" algn="just" defTabSz="914400" rtl="0" eaLnBrk="1" fontAlgn="auto" latinLnBrk="0" hangingPunct="1">
-              <a:lnSpc>
-                <a:spcPct val="107000"/>
-              </a:lnSpc>
-              <a:spcBef>
-                <a:spcPts val="0"/>
-              </a:spcBef>
-              <a:spcAft>
-                <a:spcPts val="0"/>
-              </a:spcAft>
-              <a:buClr>
-                <a:srgbClr val="000000"/>
-              </a:buClr>
-              <a:buSzPts val="1400"/>
-              <a:buFont typeface="Symbol" panose="05050102010706020507" pitchFamily="18" charset="2"/>
-              <a:buNone/>
-              <a:tabLst/>
-              <a:defRPr/>
-            </a:pPr>
-            <a:r>
-              <a:rPr lang="ro-RO" sz="1200" dirty="0"/>
-              <a:t>      În figura de alături există 2 stări, q1= E, q2= A și 4 lanțuri totale, acestea se numesc probabilitățile de tranziție și au valorile a11= 0.3, a12= 0.7, a21= 0.4 și a22= 0.6. </a:t>
-            </a:r>
-          </a:p>
-        </p:txBody>
-      </p:sp>
       <mc:AlternateContent xmlns:mc="http://schemas.openxmlformats.org/markup-compatibility/2006">
         <mc:Choice xmlns:a14="http://schemas.microsoft.com/office/drawing/2010/main" Requires="a14">
+          <p:sp>
+            <p:nvSpPr>
+              <p:cNvPr id="11" name="Google Shape;125;p17">
+                <a:extLst>
+                  <a:ext uri="{FF2B5EF4-FFF2-40B4-BE49-F238E27FC236}">
+                    <a16:creationId xmlns:a16="http://schemas.microsoft.com/office/drawing/2014/main" id="{489346E6-1620-4057-BE87-832B50946AF6}"/>
+                  </a:ext>
+                </a:extLst>
+              </p:cNvPr>
+              <p:cNvSpPr txBox="1">
+                <a:spLocks/>
+              </p:cNvSpPr>
+              <p:nvPr/>
+            </p:nvSpPr>
+            <p:spPr>
+              <a:xfrm>
+                <a:off x="666510" y="3785625"/>
+                <a:ext cx="5347288" cy="829909"/>
+              </a:xfrm>
+              <a:prstGeom prst="rect">
+                <a:avLst/>
+              </a:prstGeom>
+              <a:noFill/>
+              <a:ln>
+                <a:noFill/>
+              </a:ln>
+            </p:spPr>
+            <p:txBody>
+              <a:bodyPr spcFirstLastPara="1" wrap="square" lIns="91425" tIns="91425" rIns="91425" bIns="91425" anchor="t" anchorCtr="0">
+                <a:noAutofit/>
+              </a:bodyPr>
+              <a:lstStyle>
+                <a:defPPr marR="0" lvl="0" algn="l" rtl="0">
+                  <a:lnSpc>
+                    <a:spcPct val="100000"/>
+                  </a:lnSpc>
+                  <a:spcBef>
+                    <a:spcPts val="0"/>
+                  </a:spcBef>
+                  <a:spcAft>
+                    <a:spcPts val="0"/>
+                  </a:spcAft>
+                </a:defPPr>
+                <a:lvl1pPr marL="457200" marR="0" lvl="0" indent="-355600" algn="l" rtl="0">
+                  <a:lnSpc>
+                    <a:spcPct val="100000"/>
+                  </a:lnSpc>
+                  <a:spcBef>
+                    <a:spcPts val="600"/>
+                  </a:spcBef>
+                  <a:spcAft>
+                    <a:spcPts val="0"/>
+                  </a:spcAft>
+                  <a:buClr>
+                    <a:schemeClr val="accent6"/>
+                  </a:buClr>
+                  <a:buSzPts val="2000"/>
+                  <a:buFont typeface="Lato"/>
+                  <a:buChar char="▷"/>
+                  <a:defRPr sz="2000" b="0" i="0" u="none" strike="noStrike" cap="none">
+                    <a:solidFill>
+                      <a:schemeClr val="dk1"/>
+                    </a:solidFill>
+                    <a:latin typeface="Lato"/>
+                    <a:ea typeface="Lato"/>
+                    <a:cs typeface="Lato"/>
+                    <a:sym typeface="Lato"/>
+                  </a:defRPr>
+                </a:lvl1pPr>
+                <a:lvl2pPr marL="914400" marR="0" lvl="1" indent="-355600" algn="l" rtl="0">
+                  <a:lnSpc>
+                    <a:spcPct val="100000"/>
+                  </a:lnSpc>
+                  <a:spcBef>
+                    <a:spcPts val="0"/>
+                  </a:spcBef>
+                  <a:spcAft>
+                    <a:spcPts val="0"/>
+                  </a:spcAft>
+                  <a:buClr>
+                    <a:schemeClr val="dk1"/>
+                  </a:buClr>
+                  <a:buSzPts val="2000"/>
+                  <a:buFont typeface="Lato"/>
+                  <a:buChar char="○"/>
+                  <a:defRPr sz="2000" b="0" i="0" u="none" strike="noStrike" cap="none">
+                    <a:solidFill>
+                      <a:schemeClr val="dk1"/>
+                    </a:solidFill>
+                    <a:latin typeface="Lato"/>
+                    <a:ea typeface="Lato"/>
+                    <a:cs typeface="Lato"/>
+                    <a:sym typeface="Lato"/>
+                  </a:defRPr>
+                </a:lvl2pPr>
+                <a:lvl3pPr marL="1371600" marR="0" lvl="2" indent="-355600" algn="l" rtl="0">
+                  <a:lnSpc>
+                    <a:spcPct val="100000"/>
+                  </a:lnSpc>
+                  <a:spcBef>
+                    <a:spcPts val="0"/>
+                  </a:spcBef>
+                  <a:spcAft>
+                    <a:spcPts val="0"/>
+                  </a:spcAft>
+                  <a:buClr>
+                    <a:schemeClr val="dk1"/>
+                  </a:buClr>
+                  <a:buSzPts val="2000"/>
+                  <a:buFont typeface="Lato"/>
+                  <a:buChar char="■"/>
+                  <a:defRPr sz="2000" b="0" i="0" u="none" strike="noStrike" cap="none">
+                    <a:solidFill>
+                      <a:schemeClr val="dk1"/>
+                    </a:solidFill>
+                    <a:latin typeface="Lato"/>
+                    <a:ea typeface="Lato"/>
+                    <a:cs typeface="Lato"/>
+                    <a:sym typeface="Lato"/>
+                  </a:defRPr>
+                </a:lvl3pPr>
+                <a:lvl4pPr marL="1828800" marR="0" lvl="3" indent="-355600" algn="l" rtl="0">
+                  <a:lnSpc>
+                    <a:spcPct val="100000"/>
+                  </a:lnSpc>
+                  <a:spcBef>
+                    <a:spcPts val="0"/>
+                  </a:spcBef>
+                  <a:spcAft>
+                    <a:spcPts val="0"/>
+                  </a:spcAft>
+                  <a:buClr>
+                    <a:schemeClr val="dk1"/>
+                  </a:buClr>
+                  <a:buSzPts val="2000"/>
+                  <a:buFont typeface="Lato"/>
+                  <a:buChar char="●"/>
+                  <a:defRPr sz="2000" b="0" i="0" u="none" strike="noStrike" cap="none">
+                    <a:solidFill>
+                      <a:schemeClr val="dk1"/>
+                    </a:solidFill>
+                    <a:latin typeface="Lato"/>
+                    <a:ea typeface="Lato"/>
+                    <a:cs typeface="Lato"/>
+                    <a:sym typeface="Lato"/>
+                  </a:defRPr>
+                </a:lvl4pPr>
+                <a:lvl5pPr marL="2286000" marR="0" lvl="4" indent="-355600" algn="l" rtl="0">
+                  <a:lnSpc>
+                    <a:spcPct val="100000"/>
+                  </a:lnSpc>
+                  <a:spcBef>
+                    <a:spcPts val="0"/>
+                  </a:spcBef>
+                  <a:spcAft>
+                    <a:spcPts val="0"/>
+                  </a:spcAft>
+                  <a:buClr>
+                    <a:schemeClr val="dk1"/>
+                  </a:buClr>
+                  <a:buSzPts val="2000"/>
+                  <a:buFont typeface="Lato"/>
+                  <a:buChar char="○"/>
+                  <a:defRPr sz="2000" b="0" i="0" u="none" strike="noStrike" cap="none">
+                    <a:solidFill>
+                      <a:schemeClr val="dk1"/>
+                    </a:solidFill>
+                    <a:latin typeface="Lato"/>
+                    <a:ea typeface="Lato"/>
+                    <a:cs typeface="Lato"/>
+                    <a:sym typeface="Lato"/>
+                  </a:defRPr>
+                </a:lvl5pPr>
+                <a:lvl6pPr marL="2743200" marR="0" lvl="5" indent="-355600" algn="l" rtl="0">
+                  <a:lnSpc>
+                    <a:spcPct val="100000"/>
+                  </a:lnSpc>
+                  <a:spcBef>
+                    <a:spcPts val="0"/>
+                  </a:spcBef>
+                  <a:spcAft>
+                    <a:spcPts val="0"/>
+                  </a:spcAft>
+                  <a:buClr>
+                    <a:schemeClr val="dk1"/>
+                  </a:buClr>
+                  <a:buSzPts val="2000"/>
+                  <a:buFont typeface="Lato"/>
+                  <a:buChar char="■"/>
+                  <a:defRPr sz="2000" b="0" i="0" u="none" strike="noStrike" cap="none">
+                    <a:solidFill>
+                      <a:schemeClr val="dk1"/>
+                    </a:solidFill>
+                    <a:latin typeface="Lato"/>
+                    <a:ea typeface="Lato"/>
+                    <a:cs typeface="Lato"/>
+                    <a:sym typeface="Lato"/>
+                  </a:defRPr>
+                </a:lvl6pPr>
+                <a:lvl7pPr marL="3200400" marR="0" lvl="6" indent="-355600" algn="l" rtl="0">
+                  <a:lnSpc>
+                    <a:spcPct val="100000"/>
+                  </a:lnSpc>
+                  <a:spcBef>
+                    <a:spcPts val="0"/>
+                  </a:spcBef>
+                  <a:spcAft>
+                    <a:spcPts val="0"/>
+                  </a:spcAft>
+                  <a:buClr>
+                    <a:schemeClr val="dk1"/>
+                  </a:buClr>
+                  <a:buSzPts val="2000"/>
+                  <a:buFont typeface="Lato"/>
+                  <a:buChar char="●"/>
+                  <a:defRPr sz="2000" b="0" i="0" u="none" strike="noStrike" cap="none">
+                    <a:solidFill>
+                      <a:schemeClr val="dk1"/>
+                    </a:solidFill>
+                    <a:latin typeface="Lato"/>
+                    <a:ea typeface="Lato"/>
+                    <a:cs typeface="Lato"/>
+                    <a:sym typeface="Lato"/>
+                  </a:defRPr>
+                </a:lvl7pPr>
+                <a:lvl8pPr marL="3657600" marR="0" lvl="7" indent="-355600" algn="l" rtl="0">
+                  <a:lnSpc>
+                    <a:spcPct val="100000"/>
+                  </a:lnSpc>
+                  <a:spcBef>
+                    <a:spcPts val="0"/>
+                  </a:spcBef>
+                  <a:spcAft>
+                    <a:spcPts val="0"/>
+                  </a:spcAft>
+                  <a:buClr>
+                    <a:schemeClr val="dk1"/>
+                  </a:buClr>
+                  <a:buSzPts val="2000"/>
+                  <a:buFont typeface="Lato"/>
+                  <a:buChar char="○"/>
+                  <a:defRPr sz="2000" b="0" i="0" u="none" strike="noStrike" cap="none">
+                    <a:solidFill>
+                      <a:schemeClr val="dk1"/>
+                    </a:solidFill>
+                    <a:latin typeface="Lato"/>
+                    <a:ea typeface="Lato"/>
+                    <a:cs typeface="Lato"/>
+                    <a:sym typeface="Lato"/>
+                  </a:defRPr>
+                </a:lvl8pPr>
+                <a:lvl9pPr marL="4114800" marR="0" lvl="8" indent="-355600" algn="l" rtl="0">
+                  <a:lnSpc>
+                    <a:spcPct val="100000"/>
+                  </a:lnSpc>
+                  <a:spcBef>
+                    <a:spcPts val="0"/>
+                  </a:spcBef>
+                  <a:spcAft>
+                    <a:spcPts val="0"/>
+                  </a:spcAft>
+                  <a:buClr>
+                    <a:schemeClr val="dk1"/>
+                  </a:buClr>
+                  <a:buSzPts val="2000"/>
+                  <a:buFont typeface="Lato"/>
+                  <a:buChar char="■"/>
+                  <a:defRPr sz="2000" b="0" i="0" u="none" strike="noStrike" cap="none">
+                    <a:solidFill>
+                      <a:schemeClr val="dk1"/>
+                    </a:solidFill>
+                    <a:latin typeface="Lato"/>
+                    <a:ea typeface="Lato"/>
+                    <a:cs typeface="Lato"/>
+                    <a:sym typeface="Lato"/>
+                  </a:defRPr>
+                </a:lvl9pPr>
+              </a:lstStyle>
+              <a:p>
+                <a:pPr marL="0" lvl="0" indent="0" algn="just">
+                  <a:lnSpc>
+                    <a:spcPct val="107000"/>
+                  </a:lnSpc>
+                  <a:spcBef>
+                    <a:spcPts val="0"/>
+                  </a:spcBef>
+                  <a:buClr>
+                    <a:srgbClr val="000000"/>
+                  </a:buClr>
+                  <a:buSzPts val="1400"/>
+                  <a:buNone/>
+                  <a:defRPr/>
+                </a:pPr>
+                <a:r>
+                  <a:rPr lang="ro-RO" sz="1200" dirty="0"/>
+                  <a:t>      În figura de alături există 2 stări, </a:t>
+                </a:r>
+                <a14:m>
+                  <m:oMath xmlns:m="http://schemas.openxmlformats.org/officeDocument/2006/math">
+                    <m:sSub>
+                      <m:sSubPr>
+                        <m:ctrlPr>
+                          <a:rPr lang="ro-RO" sz="1200" i="1" smtClean="0">
+                            <a:solidFill>
+                              <a:schemeClr val="tx1"/>
+                            </a:solidFill>
+                            <a:latin typeface="Cambria Math" panose="02040503050406030204" pitchFamily="18" charset="0"/>
+                          </a:rPr>
+                        </m:ctrlPr>
+                      </m:sSubPr>
+                      <m:e>
+                        <m:r>
+                          <a:rPr lang="ro-RO" sz="1200" b="0" i="1">
+                            <a:solidFill>
+                              <a:schemeClr val="tx1"/>
+                            </a:solidFill>
+                            <a:latin typeface="Cambria Math" panose="02040503050406030204" pitchFamily="18" charset="0"/>
+                          </a:rPr>
+                          <m:t>𝑞</m:t>
+                        </m:r>
+                      </m:e>
+                      <m:sub>
+                        <m:r>
+                          <a:rPr lang="ro-RO" sz="1200" b="0" i="1" smtClean="0">
+                            <a:solidFill>
+                              <a:schemeClr val="tx1"/>
+                            </a:solidFill>
+                            <a:latin typeface="Cambria Math" panose="02040503050406030204" pitchFamily="18" charset="0"/>
+                          </a:rPr>
+                          <m:t>1</m:t>
+                        </m:r>
+                      </m:sub>
+                    </m:sSub>
+                    <m:r>
+                      <a:rPr lang="ro-RO" sz="1200" b="0" i="1">
+                        <a:solidFill>
+                          <a:schemeClr val="tx1"/>
+                        </a:solidFill>
+                        <a:latin typeface="Cambria Math" panose="02040503050406030204" pitchFamily="18" charset="0"/>
+                      </a:rPr>
+                      <m:t> </m:t>
+                    </m:r>
+                  </m:oMath>
+                </a14:m>
+                <a:r>
+                  <a:rPr lang="ro-RO" sz="1200" dirty="0"/>
+                  <a:t>= E, </a:t>
+                </a:r>
+                <a14:m>
+                  <m:oMath xmlns:m="http://schemas.openxmlformats.org/officeDocument/2006/math">
+                    <m:sSub>
+                      <m:sSubPr>
+                        <m:ctrlPr>
+                          <a:rPr lang="ro-RO" sz="1200" i="1">
+                            <a:solidFill>
+                              <a:schemeClr val="tx1"/>
+                            </a:solidFill>
+                            <a:latin typeface="Cambria Math" panose="02040503050406030204" pitchFamily="18" charset="0"/>
+                          </a:rPr>
+                        </m:ctrlPr>
+                      </m:sSubPr>
+                      <m:e>
+                        <m:r>
+                          <a:rPr lang="ro-RO" sz="1200" i="1">
+                            <a:solidFill>
+                              <a:schemeClr val="tx1"/>
+                            </a:solidFill>
+                            <a:latin typeface="Cambria Math" panose="02040503050406030204" pitchFamily="18" charset="0"/>
+                          </a:rPr>
+                          <m:t>𝑞</m:t>
+                        </m:r>
+                      </m:e>
+                      <m:sub>
+                        <m:r>
+                          <a:rPr lang="ro-RO" sz="1200" b="0" i="1" smtClean="0">
+                            <a:solidFill>
+                              <a:schemeClr val="tx1"/>
+                            </a:solidFill>
+                            <a:latin typeface="Cambria Math" panose="02040503050406030204" pitchFamily="18" charset="0"/>
+                          </a:rPr>
+                          <m:t>2</m:t>
+                        </m:r>
+                      </m:sub>
+                    </m:sSub>
+                    <m:r>
+                      <a:rPr lang="ro-RO" sz="1200" i="1">
+                        <a:solidFill>
+                          <a:schemeClr val="tx1"/>
+                        </a:solidFill>
+                        <a:latin typeface="Cambria Math" panose="02040503050406030204" pitchFamily="18" charset="0"/>
+                      </a:rPr>
+                      <m:t> </m:t>
+                    </m:r>
+                  </m:oMath>
+                </a14:m>
+                <a:r>
+                  <a:rPr lang="ro-RO" sz="1200" dirty="0"/>
+                  <a:t>= A și 4 lanțuri totale, acestea se numesc probabilitățile de tranziție și au valorile </a:t>
+                </a:r>
+                <a14:m>
+                  <m:oMath xmlns:m="http://schemas.openxmlformats.org/officeDocument/2006/math">
+                    <m:sSub>
+                      <m:sSubPr>
+                        <m:ctrlPr>
+                          <a:rPr lang="ro-RO" sz="1200" i="1">
+                            <a:solidFill>
+                              <a:schemeClr val="tx1"/>
+                            </a:solidFill>
+                            <a:latin typeface="Cambria Math" panose="02040503050406030204" pitchFamily="18" charset="0"/>
+                          </a:rPr>
+                        </m:ctrlPr>
+                      </m:sSubPr>
+                      <m:e>
+                        <m:r>
+                          <a:rPr lang="ro-RO" sz="1200" b="0" i="1" smtClean="0">
+                            <a:solidFill>
+                              <a:schemeClr val="tx1"/>
+                            </a:solidFill>
+                            <a:latin typeface="Cambria Math" panose="02040503050406030204" pitchFamily="18" charset="0"/>
+                          </a:rPr>
+                          <m:t>𝑎</m:t>
+                        </m:r>
+                      </m:e>
+                      <m:sub>
+                        <m:r>
+                          <a:rPr lang="ro-RO" sz="1200" i="1">
+                            <a:solidFill>
+                              <a:schemeClr val="tx1"/>
+                            </a:solidFill>
+                            <a:latin typeface="Cambria Math" panose="02040503050406030204" pitchFamily="18" charset="0"/>
+                          </a:rPr>
+                          <m:t>1</m:t>
+                        </m:r>
+                        <m:r>
+                          <a:rPr lang="ro-RO" sz="1200" b="0" i="1" smtClean="0">
+                            <a:solidFill>
+                              <a:schemeClr val="tx1"/>
+                            </a:solidFill>
+                            <a:latin typeface="Cambria Math" panose="02040503050406030204" pitchFamily="18" charset="0"/>
+                          </a:rPr>
+                          <m:t>1</m:t>
+                        </m:r>
+                      </m:sub>
+                    </m:sSub>
+                    <m:r>
+                      <a:rPr lang="ro-RO" sz="1200" i="1">
+                        <a:solidFill>
+                          <a:schemeClr val="tx1"/>
+                        </a:solidFill>
+                        <a:latin typeface="Cambria Math" panose="02040503050406030204" pitchFamily="18" charset="0"/>
+                      </a:rPr>
+                      <m:t> </m:t>
+                    </m:r>
+                  </m:oMath>
+                </a14:m>
+                <a:r>
+                  <a:rPr lang="ro-RO" sz="1200" dirty="0"/>
+                  <a:t>= 0.3, </a:t>
+                </a:r>
+                <a14:m>
+                  <m:oMath xmlns:m="http://schemas.openxmlformats.org/officeDocument/2006/math">
+                    <m:sSub>
+                      <m:sSubPr>
+                        <m:ctrlPr>
+                          <a:rPr lang="ro-RO" sz="1200" i="1">
+                            <a:solidFill>
+                              <a:schemeClr val="tx1"/>
+                            </a:solidFill>
+                            <a:latin typeface="Cambria Math" panose="02040503050406030204" pitchFamily="18" charset="0"/>
+                          </a:rPr>
+                        </m:ctrlPr>
+                      </m:sSubPr>
+                      <m:e>
+                        <m:r>
+                          <a:rPr lang="ro-RO" sz="1200" i="1">
+                            <a:solidFill>
+                              <a:schemeClr val="tx1"/>
+                            </a:solidFill>
+                            <a:latin typeface="Cambria Math" panose="02040503050406030204" pitchFamily="18" charset="0"/>
+                          </a:rPr>
+                          <m:t>𝑎</m:t>
+                        </m:r>
+                      </m:e>
+                      <m:sub>
+                        <m:r>
+                          <a:rPr lang="ro-RO" sz="1200" i="1">
+                            <a:solidFill>
+                              <a:schemeClr val="tx1"/>
+                            </a:solidFill>
+                            <a:latin typeface="Cambria Math" panose="02040503050406030204" pitchFamily="18" charset="0"/>
+                          </a:rPr>
+                          <m:t>1</m:t>
+                        </m:r>
+                        <m:r>
+                          <a:rPr lang="ro-RO" sz="1200" b="0" i="1" smtClean="0">
+                            <a:solidFill>
+                              <a:schemeClr val="tx1"/>
+                            </a:solidFill>
+                            <a:latin typeface="Cambria Math" panose="02040503050406030204" pitchFamily="18" charset="0"/>
+                          </a:rPr>
+                          <m:t>2</m:t>
+                        </m:r>
+                      </m:sub>
+                    </m:sSub>
+                    <m:r>
+                      <a:rPr lang="ro-RO" sz="1200" i="1">
+                        <a:solidFill>
+                          <a:schemeClr val="tx1"/>
+                        </a:solidFill>
+                        <a:latin typeface="Cambria Math" panose="02040503050406030204" pitchFamily="18" charset="0"/>
+                      </a:rPr>
+                      <m:t> </m:t>
+                    </m:r>
+                  </m:oMath>
+                </a14:m>
+                <a:r>
+                  <a:rPr lang="ro-RO" sz="1200" dirty="0"/>
+                  <a:t>= 0.7, </a:t>
+                </a:r>
+                <a14:m>
+                  <m:oMath xmlns:m="http://schemas.openxmlformats.org/officeDocument/2006/math">
+                    <m:sSub>
+                      <m:sSubPr>
+                        <m:ctrlPr>
+                          <a:rPr lang="ro-RO" sz="1200" i="1">
+                            <a:solidFill>
+                              <a:schemeClr val="tx1"/>
+                            </a:solidFill>
+                            <a:latin typeface="Cambria Math" panose="02040503050406030204" pitchFamily="18" charset="0"/>
+                          </a:rPr>
+                        </m:ctrlPr>
+                      </m:sSubPr>
+                      <m:e>
+                        <m:r>
+                          <a:rPr lang="ro-RO" sz="1200" i="1">
+                            <a:solidFill>
+                              <a:schemeClr val="tx1"/>
+                            </a:solidFill>
+                            <a:latin typeface="Cambria Math" panose="02040503050406030204" pitchFamily="18" charset="0"/>
+                          </a:rPr>
+                          <m:t>𝑎</m:t>
+                        </m:r>
+                      </m:e>
+                      <m:sub>
+                        <m:r>
+                          <a:rPr lang="ro-RO" sz="1200" b="0" i="1" smtClean="0">
+                            <a:solidFill>
+                              <a:schemeClr val="tx1"/>
+                            </a:solidFill>
+                            <a:latin typeface="Cambria Math" panose="02040503050406030204" pitchFamily="18" charset="0"/>
+                          </a:rPr>
+                          <m:t>21</m:t>
+                        </m:r>
+                      </m:sub>
+                    </m:sSub>
+                    <m:r>
+                      <a:rPr lang="ro-RO" sz="1200" i="1">
+                        <a:solidFill>
+                          <a:schemeClr val="tx1"/>
+                        </a:solidFill>
+                        <a:latin typeface="Cambria Math" panose="02040503050406030204" pitchFamily="18" charset="0"/>
+                      </a:rPr>
+                      <m:t> </m:t>
+                    </m:r>
+                  </m:oMath>
+                </a14:m>
+                <a:r>
+                  <a:rPr lang="ro-RO" sz="1200" dirty="0"/>
+                  <a:t>= 0.4 și </a:t>
+                </a:r>
+                <a14:m>
+                  <m:oMath xmlns:m="http://schemas.openxmlformats.org/officeDocument/2006/math">
+                    <m:sSub>
+                      <m:sSubPr>
+                        <m:ctrlPr>
+                          <a:rPr lang="ro-RO" sz="1200" i="1">
+                            <a:solidFill>
+                              <a:schemeClr val="tx1"/>
+                            </a:solidFill>
+                            <a:latin typeface="Cambria Math" panose="02040503050406030204" pitchFamily="18" charset="0"/>
+                          </a:rPr>
+                        </m:ctrlPr>
+                      </m:sSubPr>
+                      <m:e>
+                        <m:r>
+                          <a:rPr lang="ro-RO" sz="1200" i="1">
+                            <a:solidFill>
+                              <a:schemeClr val="tx1"/>
+                            </a:solidFill>
+                            <a:latin typeface="Cambria Math" panose="02040503050406030204" pitchFamily="18" charset="0"/>
+                          </a:rPr>
+                          <m:t>𝑎</m:t>
+                        </m:r>
+                      </m:e>
+                      <m:sub>
+                        <m:r>
+                          <a:rPr lang="ro-RO" sz="1200" b="0" i="1" smtClean="0">
+                            <a:solidFill>
+                              <a:schemeClr val="tx1"/>
+                            </a:solidFill>
+                            <a:latin typeface="Cambria Math" panose="02040503050406030204" pitchFamily="18" charset="0"/>
+                          </a:rPr>
+                          <m:t>22</m:t>
+                        </m:r>
+                      </m:sub>
+                    </m:sSub>
+                    <m:r>
+                      <a:rPr lang="ro-RO" sz="1200" i="1">
+                        <a:solidFill>
+                          <a:schemeClr val="tx1"/>
+                        </a:solidFill>
+                        <a:latin typeface="Cambria Math" panose="02040503050406030204" pitchFamily="18" charset="0"/>
+                      </a:rPr>
+                      <m:t> </m:t>
+                    </m:r>
+                  </m:oMath>
+                </a14:m>
+                <a:r>
+                  <a:rPr lang="ro-RO" sz="1200" dirty="0"/>
+                  <a:t>= 0.6. </a:t>
+                </a:r>
+              </a:p>
+            </p:txBody>
+          </p:sp>
+        </mc:Choice>
+        <mc:Fallback>
+          <p:sp>
+            <p:nvSpPr>
+              <p:cNvPr id="11" name="Google Shape;125;p17">
+                <a:extLst>
+                  <a:ext uri="{FF2B5EF4-FFF2-40B4-BE49-F238E27FC236}">
+                    <a16:creationId xmlns:a16="http://schemas.microsoft.com/office/drawing/2014/main" id="{489346E6-1620-4057-BE87-832B50946AF6}"/>
+                  </a:ext>
+                </a:extLst>
+              </p:cNvPr>
+              <p:cNvSpPr txBox="1">
+                <a:spLocks noRot="1" noChangeAspect="1" noMove="1" noResize="1" noEditPoints="1" noAdjustHandles="1" noChangeArrowheads="1" noChangeShapeType="1" noTextEdit="1"/>
+              </p:cNvSpPr>
+              <p:nvPr/>
+            </p:nvSpPr>
+            <p:spPr>
+              <a:xfrm>
+                <a:off x="666510" y="3785625"/>
+                <a:ext cx="5347288" cy="829909"/>
+              </a:xfrm>
+              <a:prstGeom prst="rect">
+                <a:avLst/>
+              </a:prstGeom>
+              <a:blipFill>
+                <a:blip r:embed="rId4"/>
+                <a:stretch>
+                  <a:fillRect/>
+                </a:stretch>
+              </a:blipFill>
+              <a:ln>
+                <a:noFill/>
+              </a:ln>
+            </p:spPr>
+            <p:txBody>
+              <a:bodyPr/>
+              <a:lstStyle/>
+              <a:p>
+                <a:r>
+                  <a:rPr lang="ro-RO">
+                    <a:noFill/>
+                  </a:rPr>
+                  <a:t> </a:t>
+                </a:r>
+              </a:p>
+            </p:txBody>
+          </p:sp>
+        </mc:Fallback>
+      </mc:AlternateContent>
+      <mc:AlternateContent xmlns:mc="http://schemas.openxmlformats.org/markup-compatibility/2006" xmlns:a14="http://schemas.microsoft.com/office/drawing/2010/main">
+        <mc:Choice Requires="a14">
           <p:sp>
             <p:nvSpPr>
               <p:cNvPr id="13" name="TextBox 12">
@@ -14737,7 +15107,7 @@
             </p:txBody>
           </p:sp>
         </mc:Choice>
-        <mc:Fallback>
+        <mc:Fallback xmlns="">
           <p:sp>
             <p:nvSpPr>
               <p:cNvPr id="13" name="TextBox 12">
@@ -14761,7 +15131,7 @@
                 <a:avLst/>
               </a:prstGeom>
               <a:blipFill>
-                <a:blip r:embed="rId4"/>
+                <a:blip r:embed="rId5"/>
                 <a:stretch>
                   <a:fillRect b="-4000"/>
                 </a:stretch>
@@ -14782,8 +15152,8 @@
           </p:sp>
         </mc:Fallback>
       </mc:AlternateContent>
-      <mc:AlternateContent xmlns:mc="http://schemas.openxmlformats.org/markup-compatibility/2006">
-        <mc:Choice xmlns:a14="http://schemas.microsoft.com/office/drawing/2010/main" Requires="a14">
+      <mc:AlternateContent xmlns:mc="http://schemas.openxmlformats.org/markup-compatibility/2006" xmlns:a14="http://schemas.microsoft.com/office/drawing/2010/main">
+        <mc:Choice Requires="a14">
           <p:sp>
             <p:nvSpPr>
               <p:cNvPr id="15" name="TextBox 14">
@@ -14971,7 +15341,7 @@
             </p:txBody>
           </p:sp>
         </mc:Choice>
-        <mc:Fallback>
+        <mc:Fallback xmlns="">
           <p:sp>
             <p:nvSpPr>
               <p:cNvPr id="15" name="TextBox 14">
@@ -14995,7 +15365,7 @@
                 <a:avLst/>
               </a:prstGeom>
               <a:blipFill>
-                <a:blip r:embed="rId5"/>
+                <a:blip r:embed="rId6"/>
                 <a:stretch>
                   <a:fillRect l="-400" t="-4000" b="-20000"/>
                 </a:stretch>
@@ -15446,8 +15816,8 @@
           </a:p>
         </p:txBody>
       </p:sp>
-      <mc:AlternateContent xmlns:mc="http://schemas.openxmlformats.org/markup-compatibility/2006">
-        <mc:Choice xmlns:a14="http://schemas.microsoft.com/office/drawing/2010/main" Requires="a14">
+      <mc:AlternateContent xmlns:mc="http://schemas.openxmlformats.org/markup-compatibility/2006" xmlns:a14="http://schemas.microsoft.com/office/drawing/2010/main">
+        <mc:Choice Requires="a14">
           <p:sp>
             <p:nvSpPr>
               <p:cNvPr id="12" name="TextBox 11">
@@ -15784,7 +16154,7 @@
             </p:txBody>
           </p:sp>
         </mc:Choice>
-        <mc:Fallback>
+        <mc:Fallback xmlns="">
           <p:sp>
             <p:nvSpPr>
               <p:cNvPr id="12" name="TextBox 11">
@@ -15829,8 +16199,8 @@
           </p:sp>
         </mc:Fallback>
       </mc:AlternateContent>
-      <mc:AlternateContent xmlns:mc="http://schemas.openxmlformats.org/markup-compatibility/2006">
-        <mc:Choice xmlns:a14="http://schemas.microsoft.com/office/drawing/2010/main" Requires="a14">
+      <mc:AlternateContent xmlns:mc="http://schemas.openxmlformats.org/markup-compatibility/2006" xmlns:a14="http://schemas.microsoft.com/office/drawing/2010/main">
+        <mc:Choice Requires="a14">
           <p:sp>
             <p:nvSpPr>
               <p:cNvPr id="17" name="Google Shape;125;p17">
@@ -16608,7 +16978,7 @@
             </p:txBody>
           </p:sp>
         </mc:Choice>
-        <mc:Fallback>
+        <mc:Fallback xmlns="">
           <p:sp>
             <p:nvSpPr>
               <p:cNvPr id="17" name="Google Shape;125;p17">
@@ -17009,8 +17379,8 @@
           </a:p>
         </p:txBody>
       </p:sp>
-      <mc:AlternateContent xmlns:mc="http://schemas.openxmlformats.org/markup-compatibility/2006">
-        <mc:Choice xmlns:a14="http://schemas.microsoft.com/office/drawing/2010/main" Requires="a14">
+      <mc:AlternateContent xmlns:mc="http://schemas.openxmlformats.org/markup-compatibility/2006" xmlns:a14="http://schemas.microsoft.com/office/drawing/2010/main">
+        <mc:Choice Requires="a14">
           <p:sp>
             <p:nvSpPr>
               <p:cNvPr id="19" name="TextBox 18">
@@ -17206,7 +17576,7 @@
             </p:txBody>
           </p:sp>
         </mc:Choice>
-        <mc:Fallback>
+        <mc:Fallback xmlns="">
           <p:sp>
             <p:nvSpPr>
               <p:cNvPr id="19" name="TextBox 18">
@@ -17251,8 +17621,8 @@
           </p:sp>
         </mc:Fallback>
       </mc:AlternateContent>
-      <mc:AlternateContent xmlns:mc="http://schemas.openxmlformats.org/markup-compatibility/2006">
-        <mc:Choice xmlns:a14="http://schemas.microsoft.com/office/drawing/2010/main" Requires="a14">
+      <mc:AlternateContent xmlns:mc="http://schemas.openxmlformats.org/markup-compatibility/2006" xmlns:a14="http://schemas.microsoft.com/office/drawing/2010/main">
+        <mc:Choice Requires="a14">
           <p:sp>
             <p:nvSpPr>
               <p:cNvPr id="21" name="TextBox 20">
@@ -17643,7 +18013,7 @@
             </p:txBody>
           </p:sp>
         </mc:Choice>
-        <mc:Fallback>
+        <mc:Fallback xmlns="">
           <p:sp>
             <p:nvSpPr>
               <p:cNvPr id="21" name="TextBox 20">
@@ -17688,8 +18058,8 @@
           </p:sp>
         </mc:Fallback>
       </mc:AlternateContent>
-      <mc:AlternateContent xmlns:mc="http://schemas.openxmlformats.org/markup-compatibility/2006">
-        <mc:Choice xmlns:a14="http://schemas.microsoft.com/office/drawing/2010/main" Requires="a14">
+      <mc:AlternateContent xmlns:mc="http://schemas.openxmlformats.org/markup-compatibility/2006" xmlns:a14="http://schemas.microsoft.com/office/drawing/2010/main">
+        <mc:Choice Requires="a14">
           <p:sp>
             <p:nvSpPr>
               <p:cNvPr id="23" name="TextBox 22">
@@ -18272,7 +18642,7 @@
             </p:txBody>
           </p:sp>
         </mc:Choice>
-        <mc:Fallback>
+        <mc:Fallback xmlns="">
           <p:sp>
             <p:nvSpPr>
               <p:cNvPr id="23" name="TextBox 22">
@@ -19244,8 +19614,8 @@
           </a:p>
         </p:txBody>
       </p:sp>
-      <mc:AlternateContent xmlns:mc="http://schemas.openxmlformats.org/markup-compatibility/2006">
-        <mc:Choice xmlns:a14="http://schemas.microsoft.com/office/drawing/2010/main" Requires="a14">
+      <mc:AlternateContent xmlns:mc="http://schemas.openxmlformats.org/markup-compatibility/2006" xmlns:a14="http://schemas.microsoft.com/office/drawing/2010/main">
+        <mc:Choice Requires="a14">
           <p:sp>
             <p:nvSpPr>
               <p:cNvPr id="29" name="Google Shape;125;p17">
@@ -20196,31 +20566,41 @@
                 <a14:m>
                   <m:oMath xmlns:m="http://schemas.openxmlformats.org/officeDocument/2006/math">
                     <m:r>
-                      <a:rPr lang="ro-RO" sz="1050" i="1"/>
+                      <a:rPr lang="ro-RO" sz="1050" i="1">
+                        <a:latin typeface="Cambria Math" panose="02040503050406030204" pitchFamily="18" charset="0"/>
+                      </a:rPr>
                       <m:t>𝑐</m:t>
                     </m:r>
                     <m:d>
                       <m:dPr>
                         <m:ctrlPr>
-                          <a:rPr lang="ro-RO" sz="1050" i="1"/>
+                          <a:rPr lang="ro-RO" sz="1050" i="1">
+                            <a:latin typeface="Cambria Math" panose="02040503050406030204" pitchFamily="18" charset="0"/>
+                          </a:rPr>
                         </m:ctrlPr>
                       </m:dPr>
                       <m:e>
                         <m:sSub>
                           <m:sSubPr>
                             <m:ctrlPr>
-                              <a:rPr lang="ro-RO" sz="1050" i="1"/>
+                              <a:rPr lang="ro-RO" sz="1050" i="1">
+                                <a:latin typeface="Cambria Math" panose="02040503050406030204" pitchFamily="18" charset="0"/>
+                              </a:rPr>
                             </m:ctrlPr>
                           </m:sSubPr>
                           <m:e>
                             <m:r>
-                              <a:rPr lang="ro-RO" sz="1050" i="1"/>
+                              <a:rPr lang="ro-RO" sz="1050" i="1">
+                                <a:latin typeface="Cambria Math" panose="02040503050406030204" pitchFamily="18" charset="0"/>
+                              </a:rPr>
                               <m:t>𝑡</m:t>
                             </m:r>
                           </m:e>
                           <m:sub>
                             <m:r>
-                              <a:rPr lang="ro-RO" sz="1050" i="1"/>
+                              <a:rPr lang="ro-RO" sz="1050" i="1">
+                                <a:latin typeface="Cambria Math" panose="02040503050406030204" pitchFamily="18" charset="0"/>
+                              </a:rPr>
                               <m:t>𝑖</m:t>
                             </m:r>
                           </m:sub>
@@ -20228,7 +20608,9 @@
                       </m:e>
                     </m:d>
                     <m:r>
-                      <a:rPr lang="ro-RO" sz="1050" i="1"/>
+                      <a:rPr lang="ro-RO" sz="1050" i="1">
+                        <a:latin typeface="Cambria Math" panose="02040503050406030204" pitchFamily="18" charset="0"/>
+                      </a:rPr>
                       <m:t>− </m:t>
                     </m:r>
                   </m:oMath>
@@ -20250,18 +20632,24 @@
                     <m:sSub>
                       <m:sSubPr>
                         <m:ctrlPr>
-                          <a:rPr lang="ro-RO" sz="1050" i="1"/>
+                          <a:rPr lang="ro-RO" sz="1050" i="1">
+                            <a:latin typeface="Cambria Math" panose="02040503050406030204" pitchFamily="18" charset="0"/>
+                          </a:rPr>
                         </m:ctrlPr>
                       </m:sSubPr>
                       <m:e>
                         <m:r>
-                          <a:rPr lang="ro-RO" sz="1050" i="1"/>
+                          <a:rPr lang="ro-RO" sz="1050" i="1">
+                            <a:latin typeface="Cambria Math" panose="02040503050406030204" pitchFamily="18" charset="0"/>
+                          </a:rPr>
                           <m:t>𝑡</m:t>
                         </m:r>
                       </m:e>
                       <m:sub>
                         <m:r>
-                          <a:rPr lang="ro-RO" sz="1050" i="1"/>
+                          <a:rPr lang="ro-RO" sz="1050" i="1">
+                            <a:latin typeface="Cambria Math" panose="02040503050406030204" pitchFamily="18" charset="0"/>
+                          </a:rPr>
                           <m:t>𝑖</m:t>
                         </m:r>
                       </m:sub>
@@ -20290,7 +20678,7 @@
             </p:txBody>
           </p:sp>
         </mc:Choice>
-        <mc:Fallback>
+        <mc:Fallback xmlns="">
           <p:sp>
             <p:nvSpPr>
               <p:cNvPr id="29" name="Google Shape;125;p17">
@@ -20784,8 +21172,8 @@
           </a:p>
         </p:txBody>
       </p:sp>
-      <mc:AlternateContent xmlns:mc="http://schemas.openxmlformats.org/markup-compatibility/2006">
-        <mc:Choice xmlns:a14="http://schemas.microsoft.com/office/drawing/2010/main" Requires="a14">
+      <mc:AlternateContent xmlns:mc="http://schemas.openxmlformats.org/markup-compatibility/2006" xmlns:a14="http://schemas.microsoft.com/office/drawing/2010/main">
+        <mc:Choice Requires="a14">
           <p:sp>
             <p:nvSpPr>
               <p:cNvPr id="20" name="TextBox 19">
@@ -21426,7 +21814,7 @@
             </p:txBody>
           </p:sp>
         </mc:Choice>
-        <mc:Fallback>
+        <mc:Fallback xmlns="">
           <p:sp>
             <p:nvSpPr>
               <p:cNvPr id="20" name="TextBox 19">
@@ -21471,319 +21859,387 @@
           </p:sp>
         </mc:Fallback>
       </mc:AlternateContent>
-      <p:sp>
-        <p:nvSpPr>
-          <p:cNvPr id="22" name="Google Shape;125;p17">
-            <a:extLst>
-              <a:ext uri="{FF2B5EF4-FFF2-40B4-BE49-F238E27FC236}">
-                <a16:creationId xmlns:a16="http://schemas.microsoft.com/office/drawing/2014/main" id="{49605D5F-6866-4E46-AAE5-4EFE9BD68A16}"/>
-              </a:ext>
-            </a:extLst>
-          </p:cNvPr>
-          <p:cNvSpPr txBox="1">
-            <a:spLocks/>
-          </p:cNvSpPr>
-          <p:nvPr/>
-        </p:nvSpPr>
-        <p:spPr>
-          <a:xfrm>
-            <a:off x="647474" y="3430843"/>
-            <a:ext cx="7841105" cy="619800"/>
-          </a:xfrm>
-          <a:prstGeom prst="rect">
-            <a:avLst/>
-          </a:prstGeom>
-          <a:noFill/>
-          <a:ln>
-            <a:noFill/>
-          </a:ln>
-        </p:spPr>
-        <p:txBody>
-          <a:bodyPr spcFirstLastPara="1" wrap="square" lIns="91425" tIns="91425" rIns="91425" bIns="91425" anchor="t" anchorCtr="0">
-            <a:noAutofit/>
-          </a:bodyPr>
-          <a:lstStyle>
-            <a:defPPr marR="0" lvl="0" algn="l" rtl="0">
-              <a:lnSpc>
-                <a:spcPct val="100000"/>
-              </a:lnSpc>
-              <a:spcBef>
-                <a:spcPts val="0"/>
-              </a:spcBef>
-              <a:spcAft>
-                <a:spcPts val="0"/>
-              </a:spcAft>
-            </a:defPPr>
-            <a:lvl1pPr marL="457200" marR="0" lvl="0" indent="-355600" algn="l" rtl="0">
-              <a:lnSpc>
-                <a:spcPct val="100000"/>
-              </a:lnSpc>
-              <a:spcBef>
-                <a:spcPts val="600"/>
-              </a:spcBef>
-              <a:spcAft>
-                <a:spcPts val="0"/>
-              </a:spcAft>
-              <a:buClr>
-                <a:schemeClr val="accent6"/>
-              </a:buClr>
-              <a:buSzPts val="2000"/>
-              <a:buFont typeface="Lato"/>
-              <a:buChar char="▷"/>
-              <a:defRPr sz="2000" b="0" i="0" u="none" strike="noStrike" cap="none">
-                <a:solidFill>
-                  <a:schemeClr val="dk1"/>
-                </a:solidFill>
-                <a:latin typeface="Lato"/>
-                <a:ea typeface="Lato"/>
-                <a:cs typeface="Lato"/>
-                <a:sym typeface="Lato"/>
-              </a:defRPr>
-            </a:lvl1pPr>
-            <a:lvl2pPr marL="914400" marR="0" lvl="1" indent="-355600" algn="l" rtl="0">
-              <a:lnSpc>
-                <a:spcPct val="100000"/>
-              </a:lnSpc>
-              <a:spcBef>
-                <a:spcPts val="0"/>
-              </a:spcBef>
-              <a:spcAft>
-                <a:spcPts val="0"/>
-              </a:spcAft>
-              <a:buClr>
-                <a:schemeClr val="dk1"/>
-              </a:buClr>
-              <a:buSzPts val="2000"/>
-              <a:buFont typeface="Lato"/>
-              <a:buChar char="○"/>
-              <a:defRPr sz="2000" b="0" i="0" u="none" strike="noStrike" cap="none">
-                <a:solidFill>
-                  <a:schemeClr val="dk1"/>
-                </a:solidFill>
-                <a:latin typeface="Lato"/>
-                <a:ea typeface="Lato"/>
-                <a:cs typeface="Lato"/>
-                <a:sym typeface="Lato"/>
-              </a:defRPr>
-            </a:lvl2pPr>
-            <a:lvl3pPr marL="1371600" marR="0" lvl="2" indent="-355600" algn="l" rtl="0">
-              <a:lnSpc>
-                <a:spcPct val="100000"/>
-              </a:lnSpc>
-              <a:spcBef>
-                <a:spcPts val="0"/>
-              </a:spcBef>
-              <a:spcAft>
-                <a:spcPts val="0"/>
-              </a:spcAft>
-              <a:buClr>
-                <a:schemeClr val="dk1"/>
-              </a:buClr>
-              <a:buSzPts val="2000"/>
-              <a:buFont typeface="Lato"/>
-              <a:buChar char="■"/>
-              <a:defRPr sz="2000" b="0" i="0" u="none" strike="noStrike" cap="none">
-                <a:solidFill>
-                  <a:schemeClr val="dk1"/>
-                </a:solidFill>
-                <a:latin typeface="Lato"/>
-                <a:ea typeface="Lato"/>
-                <a:cs typeface="Lato"/>
-                <a:sym typeface="Lato"/>
-              </a:defRPr>
-            </a:lvl3pPr>
-            <a:lvl4pPr marL="1828800" marR="0" lvl="3" indent="-355600" algn="l" rtl="0">
-              <a:lnSpc>
-                <a:spcPct val="100000"/>
-              </a:lnSpc>
-              <a:spcBef>
-                <a:spcPts val="0"/>
-              </a:spcBef>
-              <a:spcAft>
-                <a:spcPts val="0"/>
-              </a:spcAft>
-              <a:buClr>
-                <a:schemeClr val="dk1"/>
-              </a:buClr>
-              <a:buSzPts val="2000"/>
-              <a:buFont typeface="Lato"/>
-              <a:buChar char="●"/>
-              <a:defRPr sz="2000" b="0" i="0" u="none" strike="noStrike" cap="none">
-                <a:solidFill>
-                  <a:schemeClr val="dk1"/>
-                </a:solidFill>
-                <a:latin typeface="Lato"/>
-                <a:ea typeface="Lato"/>
-                <a:cs typeface="Lato"/>
-                <a:sym typeface="Lato"/>
-              </a:defRPr>
-            </a:lvl4pPr>
-            <a:lvl5pPr marL="2286000" marR="0" lvl="4" indent="-355600" algn="l" rtl="0">
-              <a:lnSpc>
-                <a:spcPct val="100000"/>
-              </a:lnSpc>
-              <a:spcBef>
-                <a:spcPts val="0"/>
-              </a:spcBef>
-              <a:spcAft>
-                <a:spcPts val="0"/>
-              </a:spcAft>
-              <a:buClr>
-                <a:schemeClr val="dk1"/>
-              </a:buClr>
-              <a:buSzPts val="2000"/>
-              <a:buFont typeface="Lato"/>
-              <a:buChar char="○"/>
-              <a:defRPr sz="2000" b="0" i="0" u="none" strike="noStrike" cap="none">
-                <a:solidFill>
-                  <a:schemeClr val="dk1"/>
-                </a:solidFill>
-                <a:latin typeface="Lato"/>
-                <a:ea typeface="Lato"/>
-                <a:cs typeface="Lato"/>
-                <a:sym typeface="Lato"/>
-              </a:defRPr>
-            </a:lvl5pPr>
-            <a:lvl6pPr marL="2743200" marR="0" lvl="5" indent="-355600" algn="l" rtl="0">
-              <a:lnSpc>
-                <a:spcPct val="100000"/>
-              </a:lnSpc>
-              <a:spcBef>
-                <a:spcPts val="0"/>
-              </a:spcBef>
-              <a:spcAft>
-                <a:spcPts val="0"/>
-              </a:spcAft>
-              <a:buClr>
-                <a:schemeClr val="dk1"/>
-              </a:buClr>
-              <a:buSzPts val="2000"/>
-              <a:buFont typeface="Lato"/>
-              <a:buChar char="■"/>
-              <a:defRPr sz="2000" b="0" i="0" u="none" strike="noStrike" cap="none">
-                <a:solidFill>
-                  <a:schemeClr val="dk1"/>
-                </a:solidFill>
-                <a:latin typeface="Lato"/>
-                <a:ea typeface="Lato"/>
-                <a:cs typeface="Lato"/>
-                <a:sym typeface="Lato"/>
-              </a:defRPr>
-            </a:lvl6pPr>
-            <a:lvl7pPr marL="3200400" marR="0" lvl="6" indent="-355600" algn="l" rtl="0">
-              <a:lnSpc>
-                <a:spcPct val="100000"/>
-              </a:lnSpc>
-              <a:spcBef>
-                <a:spcPts val="0"/>
-              </a:spcBef>
-              <a:spcAft>
-                <a:spcPts val="0"/>
-              </a:spcAft>
-              <a:buClr>
-                <a:schemeClr val="dk1"/>
-              </a:buClr>
-              <a:buSzPts val="2000"/>
-              <a:buFont typeface="Lato"/>
-              <a:buChar char="●"/>
-              <a:defRPr sz="2000" b="0" i="0" u="none" strike="noStrike" cap="none">
-                <a:solidFill>
-                  <a:schemeClr val="dk1"/>
-                </a:solidFill>
-                <a:latin typeface="Lato"/>
-                <a:ea typeface="Lato"/>
-                <a:cs typeface="Lato"/>
-                <a:sym typeface="Lato"/>
-              </a:defRPr>
-            </a:lvl7pPr>
-            <a:lvl8pPr marL="3657600" marR="0" lvl="7" indent="-355600" algn="l" rtl="0">
-              <a:lnSpc>
-                <a:spcPct val="100000"/>
-              </a:lnSpc>
-              <a:spcBef>
-                <a:spcPts val="0"/>
-              </a:spcBef>
-              <a:spcAft>
-                <a:spcPts val="0"/>
-              </a:spcAft>
-              <a:buClr>
-                <a:schemeClr val="dk1"/>
-              </a:buClr>
-              <a:buSzPts val="2000"/>
-              <a:buFont typeface="Lato"/>
-              <a:buChar char="○"/>
-              <a:defRPr sz="2000" b="0" i="0" u="none" strike="noStrike" cap="none">
-                <a:solidFill>
-                  <a:schemeClr val="dk1"/>
-                </a:solidFill>
-                <a:latin typeface="Lato"/>
-                <a:ea typeface="Lato"/>
-                <a:cs typeface="Lato"/>
-                <a:sym typeface="Lato"/>
-              </a:defRPr>
-            </a:lvl8pPr>
-            <a:lvl9pPr marL="4114800" marR="0" lvl="8" indent="-355600" algn="l" rtl="0">
-              <a:lnSpc>
-                <a:spcPct val="100000"/>
-              </a:lnSpc>
-              <a:spcBef>
-                <a:spcPts val="0"/>
-              </a:spcBef>
-              <a:spcAft>
-                <a:spcPts val="0"/>
-              </a:spcAft>
-              <a:buClr>
-                <a:schemeClr val="dk1"/>
-              </a:buClr>
-              <a:buSzPts val="2000"/>
-              <a:buFont typeface="Lato"/>
-              <a:buChar char="■"/>
-              <a:defRPr sz="2000" b="0" i="0" u="none" strike="noStrike" cap="none">
-                <a:solidFill>
-                  <a:schemeClr val="dk1"/>
-                </a:solidFill>
-                <a:latin typeface="Lato"/>
-                <a:ea typeface="Lato"/>
-                <a:cs typeface="Lato"/>
-                <a:sym typeface="Lato"/>
-              </a:defRPr>
-            </a:lvl9pPr>
-          </a:lstStyle>
-          <a:p>
-            <a:pPr marL="0" marR="0" lvl="0" indent="0" algn="just" defTabSz="914400" rtl="0" eaLnBrk="1" fontAlgn="auto" latinLnBrk="0" hangingPunct="1">
-              <a:lnSpc>
-                <a:spcPct val="107000"/>
-              </a:lnSpc>
-              <a:spcBef>
-                <a:spcPts val="0"/>
-              </a:spcBef>
-              <a:spcAft>
-                <a:spcPts val="0"/>
-              </a:spcAft>
-              <a:buClr>
-                <a:srgbClr val="000000"/>
-              </a:buClr>
-              <a:buSzPts val="1400"/>
-              <a:buFont typeface="Symbol" panose="05050102010706020507" pitchFamily="18" charset="2"/>
-              <a:buNone/>
-              <a:tabLst/>
-              <a:defRPr/>
-            </a:pPr>
-            <a:r>
-              <a:rPr lang="ro-RO" sz="1200" dirty="0"/>
-              <a:t>      O altă metodă de netezire este netezirea aditivă. Aceasta presupune adunarea la </a:t>
-            </a:r>
-            <a:r>
-              <a:rPr lang="ro-RO" sz="1200" dirty="0" err="1"/>
-              <a:t>numarător</a:t>
-            </a:r>
-            <a:r>
-              <a:rPr lang="ro-RO" sz="1200" dirty="0"/>
-              <a:t> cu o constantă aleasă de dinainte și la numitor adunarea cu produsul dintre această constantă și o altă valoare care reprezintă lungimea setului de date x.</a:t>
-            </a:r>
-          </a:p>
-        </p:txBody>
-      </p:sp>
+      <mc:AlternateContent xmlns:mc="http://schemas.openxmlformats.org/markup-compatibility/2006">
+        <mc:Choice xmlns:a14="http://schemas.microsoft.com/office/drawing/2010/main" Requires="a14">
+          <p:sp>
+            <p:nvSpPr>
+              <p:cNvPr id="22" name="Google Shape;125;p17">
+                <a:extLst>
+                  <a:ext uri="{FF2B5EF4-FFF2-40B4-BE49-F238E27FC236}">
+                    <a16:creationId xmlns:a16="http://schemas.microsoft.com/office/drawing/2014/main" id="{49605D5F-6866-4E46-AAE5-4EFE9BD68A16}"/>
+                  </a:ext>
+                </a:extLst>
+              </p:cNvPr>
+              <p:cNvSpPr txBox="1">
+                <a:spLocks/>
+              </p:cNvSpPr>
+              <p:nvPr/>
+            </p:nvSpPr>
+            <p:spPr>
+              <a:xfrm>
+                <a:off x="647474" y="3430843"/>
+                <a:ext cx="7841105" cy="619800"/>
+              </a:xfrm>
+              <a:prstGeom prst="rect">
+                <a:avLst/>
+              </a:prstGeom>
+              <a:noFill/>
+              <a:ln>
+                <a:noFill/>
+              </a:ln>
+            </p:spPr>
+            <p:txBody>
+              <a:bodyPr spcFirstLastPara="1" wrap="square" lIns="91425" tIns="91425" rIns="91425" bIns="91425" anchor="t" anchorCtr="0">
+                <a:noAutofit/>
+              </a:bodyPr>
+              <a:lstStyle>
+                <a:defPPr marR="0" lvl="0" algn="l" rtl="0">
+                  <a:lnSpc>
+                    <a:spcPct val="100000"/>
+                  </a:lnSpc>
+                  <a:spcBef>
+                    <a:spcPts val="0"/>
+                  </a:spcBef>
+                  <a:spcAft>
+                    <a:spcPts val="0"/>
+                  </a:spcAft>
+                </a:defPPr>
+                <a:lvl1pPr marL="457200" marR="0" lvl="0" indent="-355600" algn="l" rtl="0">
+                  <a:lnSpc>
+                    <a:spcPct val="100000"/>
+                  </a:lnSpc>
+                  <a:spcBef>
+                    <a:spcPts val="600"/>
+                  </a:spcBef>
+                  <a:spcAft>
+                    <a:spcPts val="0"/>
+                  </a:spcAft>
+                  <a:buClr>
+                    <a:schemeClr val="accent6"/>
+                  </a:buClr>
+                  <a:buSzPts val="2000"/>
+                  <a:buFont typeface="Lato"/>
+                  <a:buChar char="▷"/>
+                  <a:defRPr sz="2000" b="0" i="0" u="none" strike="noStrike" cap="none">
+                    <a:solidFill>
+                      <a:schemeClr val="dk1"/>
+                    </a:solidFill>
+                    <a:latin typeface="Lato"/>
+                    <a:ea typeface="Lato"/>
+                    <a:cs typeface="Lato"/>
+                    <a:sym typeface="Lato"/>
+                  </a:defRPr>
+                </a:lvl1pPr>
+                <a:lvl2pPr marL="914400" marR="0" lvl="1" indent="-355600" algn="l" rtl="0">
+                  <a:lnSpc>
+                    <a:spcPct val="100000"/>
+                  </a:lnSpc>
+                  <a:spcBef>
+                    <a:spcPts val="0"/>
+                  </a:spcBef>
+                  <a:spcAft>
+                    <a:spcPts val="0"/>
+                  </a:spcAft>
+                  <a:buClr>
+                    <a:schemeClr val="dk1"/>
+                  </a:buClr>
+                  <a:buSzPts val="2000"/>
+                  <a:buFont typeface="Lato"/>
+                  <a:buChar char="○"/>
+                  <a:defRPr sz="2000" b="0" i="0" u="none" strike="noStrike" cap="none">
+                    <a:solidFill>
+                      <a:schemeClr val="dk1"/>
+                    </a:solidFill>
+                    <a:latin typeface="Lato"/>
+                    <a:ea typeface="Lato"/>
+                    <a:cs typeface="Lato"/>
+                    <a:sym typeface="Lato"/>
+                  </a:defRPr>
+                </a:lvl2pPr>
+                <a:lvl3pPr marL="1371600" marR="0" lvl="2" indent="-355600" algn="l" rtl="0">
+                  <a:lnSpc>
+                    <a:spcPct val="100000"/>
+                  </a:lnSpc>
+                  <a:spcBef>
+                    <a:spcPts val="0"/>
+                  </a:spcBef>
+                  <a:spcAft>
+                    <a:spcPts val="0"/>
+                  </a:spcAft>
+                  <a:buClr>
+                    <a:schemeClr val="dk1"/>
+                  </a:buClr>
+                  <a:buSzPts val="2000"/>
+                  <a:buFont typeface="Lato"/>
+                  <a:buChar char="■"/>
+                  <a:defRPr sz="2000" b="0" i="0" u="none" strike="noStrike" cap="none">
+                    <a:solidFill>
+                      <a:schemeClr val="dk1"/>
+                    </a:solidFill>
+                    <a:latin typeface="Lato"/>
+                    <a:ea typeface="Lato"/>
+                    <a:cs typeface="Lato"/>
+                    <a:sym typeface="Lato"/>
+                  </a:defRPr>
+                </a:lvl3pPr>
+                <a:lvl4pPr marL="1828800" marR="0" lvl="3" indent="-355600" algn="l" rtl="0">
+                  <a:lnSpc>
+                    <a:spcPct val="100000"/>
+                  </a:lnSpc>
+                  <a:spcBef>
+                    <a:spcPts val="0"/>
+                  </a:spcBef>
+                  <a:spcAft>
+                    <a:spcPts val="0"/>
+                  </a:spcAft>
+                  <a:buClr>
+                    <a:schemeClr val="dk1"/>
+                  </a:buClr>
+                  <a:buSzPts val="2000"/>
+                  <a:buFont typeface="Lato"/>
+                  <a:buChar char="●"/>
+                  <a:defRPr sz="2000" b="0" i="0" u="none" strike="noStrike" cap="none">
+                    <a:solidFill>
+                      <a:schemeClr val="dk1"/>
+                    </a:solidFill>
+                    <a:latin typeface="Lato"/>
+                    <a:ea typeface="Lato"/>
+                    <a:cs typeface="Lato"/>
+                    <a:sym typeface="Lato"/>
+                  </a:defRPr>
+                </a:lvl4pPr>
+                <a:lvl5pPr marL="2286000" marR="0" lvl="4" indent="-355600" algn="l" rtl="0">
+                  <a:lnSpc>
+                    <a:spcPct val="100000"/>
+                  </a:lnSpc>
+                  <a:spcBef>
+                    <a:spcPts val="0"/>
+                  </a:spcBef>
+                  <a:spcAft>
+                    <a:spcPts val="0"/>
+                  </a:spcAft>
+                  <a:buClr>
+                    <a:schemeClr val="dk1"/>
+                  </a:buClr>
+                  <a:buSzPts val="2000"/>
+                  <a:buFont typeface="Lato"/>
+                  <a:buChar char="○"/>
+                  <a:defRPr sz="2000" b="0" i="0" u="none" strike="noStrike" cap="none">
+                    <a:solidFill>
+                      <a:schemeClr val="dk1"/>
+                    </a:solidFill>
+                    <a:latin typeface="Lato"/>
+                    <a:ea typeface="Lato"/>
+                    <a:cs typeface="Lato"/>
+                    <a:sym typeface="Lato"/>
+                  </a:defRPr>
+                </a:lvl5pPr>
+                <a:lvl6pPr marL="2743200" marR="0" lvl="5" indent="-355600" algn="l" rtl="0">
+                  <a:lnSpc>
+                    <a:spcPct val="100000"/>
+                  </a:lnSpc>
+                  <a:spcBef>
+                    <a:spcPts val="0"/>
+                  </a:spcBef>
+                  <a:spcAft>
+                    <a:spcPts val="0"/>
+                  </a:spcAft>
+                  <a:buClr>
+                    <a:schemeClr val="dk1"/>
+                  </a:buClr>
+                  <a:buSzPts val="2000"/>
+                  <a:buFont typeface="Lato"/>
+                  <a:buChar char="■"/>
+                  <a:defRPr sz="2000" b="0" i="0" u="none" strike="noStrike" cap="none">
+                    <a:solidFill>
+                      <a:schemeClr val="dk1"/>
+                    </a:solidFill>
+                    <a:latin typeface="Lato"/>
+                    <a:ea typeface="Lato"/>
+                    <a:cs typeface="Lato"/>
+                    <a:sym typeface="Lato"/>
+                  </a:defRPr>
+                </a:lvl6pPr>
+                <a:lvl7pPr marL="3200400" marR="0" lvl="6" indent="-355600" algn="l" rtl="0">
+                  <a:lnSpc>
+                    <a:spcPct val="100000"/>
+                  </a:lnSpc>
+                  <a:spcBef>
+                    <a:spcPts val="0"/>
+                  </a:spcBef>
+                  <a:spcAft>
+                    <a:spcPts val="0"/>
+                  </a:spcAft>
+                  <a:buClr>
+                    <a:schemeClr val="dk1"/>
+                  </a:buClr>
+                  <a:buSzPts val="2000"/>
+                  <a:buFont typeface="Lato"/>
+                  <a:buChar char="●"/>
+                  <a:defRPr sz="2000" b="0" i="0" u="none" strike="noStrike" cap="none">
+                    <a:solidFill>
+                      <a:schemeClr val="dk1"/>
+                    </a:solidFill>
+                    <a:latin typeface="Lato"/>
+                    <a:ea typeface="Lato"/>
+                    <a:cs typeface="Lato"/>
+                    <a:sym typeface="Lato"/>
+                  </a:defRPr>
+                </a:lvl7pPr>
+                <a:lvl8pPr marL="3657600" marR="0" lvl="7" indent="-355600" algn="l" rtl="0">
+                  <a:lnSpc>
+                    <a:spcPct val="100000"/>
+                  </a:lnSpc>
+                  <a:spcBef>
+                    <a:spcPts val="0"/>
+                  </a:spcBef>
+                  <a:spcAft>
+                    <a:spcPts val="0"/>
+                  </a:spcAft>
+                  <a:buClr>
+                    <a:schemeClr val="dk1"/>
+                  </a:buClr>
+                  <a:buSzPts val="2000"/>
+                  <a:buFont typeface="Lato"/>
+                  <a:buChar char="○"/>
+                  <a:defRPr sz="2000" b="0" i="0" u="none" strike="noStrike" cap="none">
+                    <a:solidFill>
+                      <a:schemeClr val="dk1"/>
+                    </a:solidFill>
+                    <a:latin typeface="Lato"/>
+                    <a:ea typeface="Lato"/>
+                    <a:cs typeface="Lato"/>
+                    <a:sym typeface="Lato"/>
+                  </a:defRPr>
+                </a:lvl8pPr>
+                <a:lvl9pPr marL="4114800" marR="0" lvl="8" indent="-355600" algn="l" rtl="0">
+                  <a:lnSpc>
+                    <a:spcPct val="100000"/>
+                  </a:lnSpc>
+                  <a:spcBef>
+                    <a:spcPts val="0"/>
+                  </a:spcBef>
+                  <a:spcAft>
+                    <a:spcPts val="0"/>
+                  </a:spcAft>
+                  <a:buClr>
+                    <a:schemeClr val="dk1"/>
+                  </a:buClr>
+                  <a:buSzPts val="2000"/>
+                  <a:buFont typeface="Lato"/>
+                  <a:buChar char="■"/>
+                  <a:defRPr sz="2000" b="0" i="0" u="none" strike="noStrike" cap="none">
+                    <a:solidFill>
+                      <a:schemeClr val="dk1"/>
+                    </a:solidFill>
+                    <a:latin typeface="Lato"/>
+                    <a:ea typeface="Lato"/>
+                    <a:cs typeface="Lato"/>
+                    <a:sym typeface="Lato"/>
+                  </a:defRPr>
+                </a:lvl9pPr>
+              </a:lstStyle>
+              <a:p>
+                <a:pPr marL="0" marR="0" lvl="0" indent="0" algn="just" defTabSz="914400" rtl="0" eaLnBrk="1" fontAlgn="auto" latinLnBrk="0" hangingPunct="1">
+                  <a:lnSpc>
+                    <a:spcPct val="107000"/>
+                  </a:lnSpc>
+                  <a:spcBef>
+                    <a:spcPts val="0"/>
+                  </a:spcBef>
+                  <a:spcAft>
+                    <a:spcPts val="0"/>
+                  </a:spcAft>
+                  <a:buClr>
+                    <a:srgbClr val="000000"/>
+                  </a:buClr>
+                  <a:buSzPts val="1400"/>
+                  <a:buFont typeface="Symbol" panose="05050102010706020507" pitchFamily="18" charset="2"/>
+                  <a:buNone/>
+                  <a:tabLst/>
+                  <a:defRPr/>
+                </a:pPr>
+                <a:r>
+                  <a:rPr lang="ro-RO" sz="1200" dirty="0"/>
+                  <a:t>      O altă metodă de netezire este netezirea aditivă. Aceasta presupune adunarea la </a:t>
+                </a:r>
+                <a:r>
+                  <a:rPr lang="ro-RO" sz="1200" dirty="0" err="1"/>
+                  <a:t>numarător</a:t>
+                </a:r>
+                <a:r>
+                  <a:rPr lang="ro-RO" sz="1200" dirty="0"/>
+                  <a:t> cu o constantă aleasă de dinainte și la numitor adunarea cu produsul dintre această constantă și o altă valoare care reprezintă lungimea setului de date </a:t>
+                </a:r>
+                <a14:m>
+                  <m:oMath xmlns:m="http://schemas.openxmlformats.org/officeDocument/2006/math">
+                    <m:r>
+                      <a:rPr lang="ro-RO" sz="1400" b="1" i="1" smtClean="0">
+                        <a:solidFill>
+                          <a:schemeClr val="tx1"/>
+                        </a:solidFill>
+                        <a:latin typeface="Cambria Math" panose="02040503050406030204" pitchFamily="18" charset="0"/>
+                      </a:rPr>
+                      <m:t>𝒙</m:t>
+                    </m:r>
+                  </m:oMath>
+                </a14:m>
+                <a:r>
+                  <a:rPr lang="ro-RO" sz="1200" dirty="0"/>
+                  <a:t>.</a:t>
+                </a:r>
+              </a:p>
+            </p:txBody>
+          </p:sp>
+        </mc:Choice>
+        <mc:Fallback>
+          <p:sp>
+            <p:nvSpPr>
+              <p:cNvPr id="22" name="Google Shape;125;p17">
+                <a:extLst>
+                  <a:ext uri="{FF2B5EF4-FFF2-40B4-BE49-F238E27FC236}">
+                    <a16:creationId xmlns:a16="http://schemas.microsoft.com/office/drawing/2014/main" id="{49605D5F-6866-4E46-AAE5-4EFE9BD68A16}"/>
+                  </a:ext>
+                </a:extLst>
+              </p:cNvPr>
+              <p:cNvSpPr txBox="1">
+                <a:spLocks noRot="1" noChangeAspect="1" noMove="1" noResize="1" noEditPoints="1" noAdjustHandles="1" noChangeArrowheads="1" noChangeShapeType="1" noTextEdit="1"/>
+              </p:cNvSpPr>
+              <p:nvPr/>
+            </p:nvSpPr>
+            <p:spPr>
+              <a:xfrm>
+                <a:off x="647474" y="3430843"/>
+                <a:ext cx="7841105" cy="619800"/>
+              </a:xfrm>
+              <a:prstGeom prst="rect">
+                <a:avLst/>
+              </a:prstGeom>
+              <a:blipFill>
+                <a:blip r:embed="rId4"/>
+                <a:stretch>
+                  <a:fillRect r="-78" b="-25743"/>
+                </a:stretch>
+              </a:blipFill>
+              <a:ln>
+                <a:noFill/>
+              </a:ln>
+            </p:spPr>
+            <p:txBody>
+              <a:bodyPr/>
+              <a:lstStyle/>
+              <a:p>
+                <a:r>
+                  <a:rPr lang="ro-RO">
+                    <a:noFill/>
+                  </a:rPr>
+                  <a:t> </a:t>
+                </a:r>
+              </a:p>
+            </p:txBody>
+          </p:sp>
+        </mc:Fallback>
+      </mc:AlternateContent>
       <mc:AlternateContent xmlns:mc="http://schemas.openxmlformats.org/markup-compatibility/2006">
         <mc:Choice xmlns:a14="http://schemas.microsoft.com/office/drawing/2010/main" Requires="a14">
           <p:sp>
@@ -21800,7 +22256,7 @@
             </p:nvSpPr>
             <p:spPr>
               <a:xfrm>
-                <a:off x="-3973" y="4127752"/>
+                <a:off x="-234461" y="4181824"/>
                 <a:ext cx="4572000" cy="487249"/>
               </a:xfrm>
               <a:prstGeom prst="rect">
@@ -21997,16 +22453,16 @@
             </p:nvSpPr>
             <p:spPr>
               <a:xfrm>
-                <a:off x="-3973" y="4127752"/>
+                <a:off x="-234461" y="4181824"/>
                 <a:ext cx="4572000" cy="487249"/>
               </a:xfrm>
               <a:prstGeom prst="rect">
                 <a:avLst/>
               </a:prstGeom>
               <a:blipFill>
-                <a:blip r:embed="rId4"/>
+                <a:blip r:embed="rId5"/>
                 <a:stretch>
-                  <a:fillRect b="-2500"/>
+                  <a:fillRect b="-1250"/>
                 </a:stretch>
               </a:blipFill>
             </p:spPr>
@@ -22025,319 +22481,521 @@
           </p:sp>
         </mc:Fallback>
       </mc:AlternateContent>
-      <p:sp>
-        <p:nvSpPr>
-          <p:cNvPr id="28" name="Google Shape;125;p17">
-            <a:extLst>
-              <a:ext uri="{FF2B5EF4-FFF2-40B4-BE49-F238E27FC236}">
-                <a16:creationId xmlns:a16="http://schemas.microsoft.com/office/drawing/2014/main" id="{58CDB429-0F79-4B74-907A-918E31A6E3D4}"/>
-              </a:ext>
-            </a:extLst>
-          </p:cNvPr>
-          <p:cNvSpPr txBox="1">
-            <a:spLocks/>
-          </p:cNvSpPr>
-          <p:nvPr/>
-        </p:nvSpPr>
-        <p:spPr>
-          <a:xfrm>
-            <a:off x="647474" y="1696569"/>
-            <a:ext cx="7841105" cy="619800"/>
-          </a:xfrm>
-          <a:prstGeom prst="rect">
-            <a:avLst/>
-          </a:prstGeom>
-          <a:noFill/>
-          <a:ln>
-            <a:noFill/>
-          </a:ln>
-        </p:spPr>
-        <p:txBody>
-          <a:bodyPr spcFirstLastPara="1" wrap="square" lIns="91425" tIns="91425" rIns="91425" bIns="91425" anchor="t" anchorCtr="0">
-            <a:noAutofit/>
-          </a:bodyPr>
-          <a:lstStyle>
-            <a:defPPr marR="0" lvl="0" algn="l" rtl="0">
-              <a:lnSpc>
-                <a:spcPct val="100000"/>
-              </a:lnSpc>
-              <a:spcBef>
-                <a:spcPts val="0"/>
-              </a:spcBef>
-              <a:spcAft>
-                <a:spcPts val="0"/>
-              </a:spcAft>
-            </a:defPPr>
-            <a:lvl1pPr marL="457200" marR="0" lvl="0" indent="-355600" algn="l" rtl="0">
-              <a:lnSpc>
-                <a:spcPct val="100000"/>
-              </a:lnSpc>
-              <a:spcBef>
-                <a:spcPts val="600"/>
-              </a:spcBef>
-              <a:spcAft>
-                <a:spcPts val="0"/>
-              </a:spcAft>
-              <a:buClr>
-                <a:schemeClr val="accent6"/>
-              </a:buClr>
-              <a:buSzPts val="2000"/>
-              <a:buFont typeface="Lato"/>
-              <a:buChar char="▷"/>
-              <a:defRPr sz="2000" b="0" i="0" u="none" strike="noStrike" cap="none">
-                <a:solidFill>
-                  <a:schemeClr val="dk1"/>
-                </a:solidFill>
-                <a:latin typeface="Lato"/>
-                <a:ea typeface="Lato"/>
-                <a:cs typeface="Lato"/>
-                <a:sym typeface="Lato"/>
-              </a:defRPr>
-            </a:lvl1pPr>
-            <a:lvl2pPr marL="914400" marR="0" lvl="1" indent="-355600" algn="l" rtl="0">
-              <a:lnSpc>
-                <a:spcPct val="100000"/>
-              </a:lnSpc>
-              <a:spcBef>
-                <a:spcPts val="0"/>
-              </a:spcBef>
-              <a:spcAft>
-                <a:spcPts val="0"/>
-              </a:spcAft>
-              <a:buClr>
-                <a:schemeClr val="dk1"/>
-              </a:buClr>
-              <a:buSzPts val="2000"/>
-              <a:buFont typeface="Lato"/>
-              <a:buChar char="○"/>
-              <a:defRPr sz="2000" b="0" i="0" u="none" strike="noStrike" cap="none">
-                <a:solidFill>
-                  <a:schemeClr val="dk1"/>
-                </a:solidFill>
-                <a:latin typeface="Lato"/>
-                <a:ea typeface="Lato"/>
-                <a:cs typeface="Lato"/>
-                <a:sym typeface="Lato"/>
-              </a:defRPr>
-            </a:lvl2pPr>
-            <a:lvl3pPr marL="1371600" marR="0" lvl="2" indent="-355600" algn="l" rtl="0">
-              <a:lnSpc>
-                <a:spcPct val="100000"/>
-              </a:lnSpc>
-              <a:spcBef>
-                <a:spcPts val="0"/>
-              </a:spcBef>
-              <a:spcAft>
-                <a:spcPts val="0"/>
-              </a:spcAft>
-              <a:buClr>
-                <a:schemeClr val="dk1"/>
-              </a:buClr>
-              <a:buSzPts val="2000"/>
-              <a:buFont typeface="Lato"/>
-              <a:buChar char="■"/>
-              <a:defRPr sz="2000" b="0" i="0" u="none" strike="noStrike" cap="none">
-                <a:solidFill>
-                  <a:schemeClr val="dk1"/>
-                </a:solidFill>
-                <a:latin typeface="Lato"/>
-                <a:ea typeface="Lato"/>
-                <a:cs typeface="Lato"/>
-                <a:sym typeface="Lato"/>
-              </a:defRPr>
-            </a:lvl3pPr>
-            <a:lvl4pPr marL="1828800" marR="0" lvl="3" indent="-355600" algn="l" rtl="0">
-              <a:lnSpc>
-                <a:spcPct val="100000"/>
-              </a:lnSpc>
-              <a:spcBef>
-                <a:spcPts val="0"/>
-              </a:spcBef>
-              <a:spcAft>
-                <a:spcPts val="0"/>
-              </a:spcAft>
-              <a:buClr>
-                <a:schemeClr val="dk1"/>
-              </a:buClr>
-              <a:buSzPts val="2000"/>
-              <a:buFont typeface="Lato"/>
-              <a:buChar char="●"/>
-              <a:defRPr sz="2000" b="0" i="0" u="none" strike="noStrike" cap="none">
-                <a:solidFill>
-                  <a:schemeClr val="dk1"/>
-                </a:solidFill>
-                <a:latin typeface="Lato"/>
-                <a:ea typeface="Lato"/>
-                <a:cs typeface="Lato"/>
-                <a:sym typeface="Lato"/>
-              </a:defRPr>
-            </a:lvl4pPr>
-            <a:lvl5pPr marL="2286000" marR="0" lvl="4" indent="-355600" algn="l" rtl="0">
-              <a:lnSpc>
-                <a:spcPct val="100000"/>
-              </a:lnSpc>
-              <a:spcBef>
-                <a:spcPts val="0"/>
-              </a:spcBef>
-              <a:spcAft>
-                <a:spcPts val="0"/>
-              </a:spcAft>
-              <a:buClr>
-                <a:schemeClr val="dk1"/>
-              </a:buClr>
-              <a:buSzPts val="2000"/>
-              <a:buFont typeface="Lato"/>
-              <a:buChar char="○"/>
-              <a:defRPr sz="2000" b="0" i="0" u="none" strike="noStrike" cap="none">
-                <a:solidFill>
-                  <a:schemeClr val="dk1"/>
-                </a:solidFill>
-                <a:latin typeface="Lato"/>
-                <a:ea typeface="Lato"/>
-                <a:cs typeface="Lato"/>
-                <a:sym typeface="Lato"/>
-              </a:defRPr>
-            </a:lvl5pPr>
-            <a:lvl6pPr marL="2743200" marR="0" lvl="5" indent="-355600" algn="l" rtl="0">
-              <a:lnSpc>
-                <a:spcPct val="100000"/>
-              </a:lnSpc>
-              <a:spcBef>
-                <a:spcPts val="0"/>
-              </a:spcBef>
-              <a:spcAft>
-                <a:spcPts val="0"/>
-              </a:spcAft>
-              <a:buClr>
-                <a:schemeClr val="dk1"/>
-              </a:buClr>
-              <a:buSzPts val="2000"/>
-              <a:buFont typeface="Lato"/>
-              <a:buChar char="■"/>
-              <a:defRPr sz="2000" b="0" i="0" u="none" strike="noStrike" cap="none">
-                <a:solidFill>
-                  <a:schemeClr val="dk1"/>
-                </a:solidFill>
-                <a:latin typeface="Lato"/>
-                <a:ea typeface="Lato"/>
-                <a:cs typeface="Lato"/>
-                <a:sym typeface="Lato"/>
-              </a:defRPr>
-            </a:lvl6pPr>
-            <a:lvl7pPr marL="3200400" marR="0" lvl="6" indent="-355600" algn="l" rtl="0">
-              <a:lnSpc>
-                <a:spcPct val="100000"/>
-              </a:lnSpc>
-              <a:spcBef>
-                <a:spcPts val="0"/>
-              </a:spcBef>
-              <a:spcAft>
-                <a:spcPts val="0"/>
-              </a:spcAft>
-              <a:buClr>
-                <a:schemeClr val="dk1"/>
-              </a:buClr>
-              <a:buSzPts val="2000"/>
-              <a:buFont typeface="Lato"/>
-              <a:buChar char="●"/>
-              <a:defRPr sz="2000" b="0" i="0" u="none" strike="noStrike" cap="none">
-                <a:solidFill>
-                  <a:schemeClr val="dk1"/>
-                </a:solidFill>
-                <a:latin typeface="Lato"/>
-                <a:ea typeface="Lato"/>
-                <a:cs typeface="Lato"/>
-                <a:sym typeface="Lato"/>
-              </a:defRPr>
-            </a:lvl7pPr>
-            <a:lvl8pPr marL="3657600" marR="0" lvl="7" indent="-355600" algn="l" rtl="0">
-              <a:lnSpc>
-                <a:spcPct val="100000"/>
-              </a:lnSpc>
-              <a:spcBef>
-                <a:spcPts val="0"/>
-              </a:spcBef>
-              <a:spcAft>
-                <a:spcPts val="0"/>
-              </a:spcAft>
-              <a:buClr>
-                <a:schemeClr val="dk1"/>
-              </a:buClr>
-              <a:buSzPts val="2000"/>
-              <a:buFont typeface="Lato"/>
-              <a:buChar char="○"/>
-              <a:defRPr sz="2000" b="0" i="0" u="none" strike="noStrike" cap="none">
-                <a:solidFill>
-                  <a:schemeClr val="dk1"/>
-                </a:solidFill>
-                <a:latin typeface="Lato"/>
-                <a:ea typeface="Lato"/>
-                <a:cs typeface="Lato"/>
-                <a:sym typeface="Lato"/>
-              </a:defRPr>
-            </a:lvl8pPr>
-            <a:lvl9pPr marL="4114800" marR="0" lvl="8" indent="-355600" algn="l" rtl="0">
-              <a:lnSpc>
-                <a:spcPct val="100000"/>
-              </a:lnSpc>
-              <a:spcBef>
-                <a:spcPts val="0"/>
-              </a:spcBef>
-              <a:spcAft>
-                <a:spcPts val="0"/>
-              </a:spcAft>
-              <a:buClr>
-                <a:schemeClr val="dk1"/>
-              </a:buClr>
-              <a:buSzPts val="2000"/>
-              <a:buFont typeface="Lato"/>
-              <a:buChar char="■"/>
-              <a:defRPr sz="2000" b="0" i="0" u="none" strike="noStrike" cap="none">
-                <a:solidFill>
-                  <a:schemeClr val="dk1"/>
-                </a:solidFill>
-                <a:latin typeface="Lato"/>
-                <a:ea typeface="Lato"/>
-                <a:cs typeface="Lato"/>
-                <a:sym typeface="Lato"/>
-              </a:defRPr>
-            </a:lvl9pPr>
-          </a:lstStyle>
-          <a:p>
-            <a:pPr marL="0" marR="0" lvl="0" indent="0" algn="just" defTabSz="914400" rtl="0" eaLnBrk="1" fontAlgn="auto" latinLnBrk="0" hangingPunct="1">
-              <a:lnSpc>
-                <a:spcPct val="107000"/>
-              </a:lnSpc>
-              <a:spcBef>
-                <a:spcPts val="0"/>
-              </a:spcBef>
-              <a:spcAft>
-                <a:spcPts val="0"/>
-              </a:spcAft>
-              <a:buClr>
-                <a:srgbClr val="000000"/>
-              </a:buClr>
-              <a:buSzPts val="1400"/>
-              <a:buFont typeface="Symbol" panose="05050102010706020507" pitchFamily="18" charset="2"/>
-              <a:buNone/>
-              <a:tabLst/>
-              <a:defRPr/>
-            </a:pPr>
-            <a:r>
-              <a:rPr lang="ro-RO" sz="1200" dirty="0"/>
-              <a:t>      Valorile ponderilor </a:t>
-            </a:r>
-            <a:r>
-              <a:rPr lang="el-GR" sz="1200" dirty="0"/>
-              <a:t>λ_1,λ_2,λ_3 </a:t>
-            </a:r>
-            <a:r>
-              <a:rPr lang="ro-RO" sz="1200" dirty="0"/>
-              <a:t>sunt estimate prin interpolarea eliminată. Pseudocodul general de determinare a acestor ponderi este următorul:</a:t>
-            </a:r>
-          </a:p>
-        </p:txBody>
-      </p:sp>
+      <mc:AlternateContent xmlns:mc="http://schemas.openxmlformats.org/markup-compatibility/2006">
+        <mc:Choice xmlns:a14="http://schemas.microsoft.com/office/drawing/2010/main" Requires="a14">
+          <p:sp>
+            <p:nvSpPr>
+              <p:cNvPr id="28" name="Google Shape;125;p17">
+                <a:extLst>
+                  <a:ext uri="{FF2B5EF4-FFF2-40B4-BE49-F238E27FC236}">
+                    <a16:creationId xmlns:a16="http://schemas.microsoft.com/office/drawing/2014/main" id="{58CDB429-0F79-4B74-907A-918E31A6E3D4}"/>
+                  </a:ext>
+                </a:extLst>
+              </p:cNvPr>
+              <p:cNvSpPr txBox="1">
+                <a:spLocks/>
+              </p:cNvSpPr>
+              <p:nvPr/>
+            </p:nvSpPr>
+            <p:spPr>
+              <a:xfrm>
+                <a:off x="647474" y="1696569"/>
+                <a:ext cx="7841105" cy="619800"/>
+              </a:xfrm>
+              <a:prstGeom prst="rect">
+                <a:avLst/>
+              </a:prstGeom>
+              <a:noFill/>
+              <a:ln>
+                <a:noFill/>
+              </a:ln>
+            </p:spPr>
+            <p:txBody>
+              <a:bodyPr spcFirstLastPara="1" wrap="square" lIns="91425" tIns="91425" rIns="91425" bIns="91425" anchor="t" anchorCtr="0">
+                <a:noAutofit/>
+              </a:bodyPr>
+              <a:lstStyle>
+                <a:defPPr marR="0" lvl="0" algn="l" rtl="0">
+                  <a:lnSpc>
+                    <a:spcPct val="100000"/>
+                  </a:lnSpc>
+                  <a:spcBef>
+                    <a:spcPts val="0"/>
+                  </a:spcBef>
+                  <a:spcAft>
+                    <a:spcPts val="0"/>
+                  </a:spcAft>
+                </a:defPPr>
+                <a:lvl1pPr marL="457200" marR="0" lvl="0" indent="-355600" algn="l" rtl="0">
+                  <a:lnSpc>
+                    <a:spcPct val="100000"/>
+                  </a:lnSpc>
+                  <a:spcBef>
+                    <a:spcPts val="600"/>
+                  </a:spcBef>
+                  <a:spcAft>
+                    <a:spcPts val="0"/>
+                  </a:spcAft>
+                  <a:buClr>
+                    <a:schemeClr val="accent6"/>
+                  </a:buClr>
+                  <a:buSzPts val="2000"/>
+                  <a:buFont typeface="Lato"/>
+                  <a:buChar char="▷"/>
+                  <a:defRPr sz="2000" b="0" i="0" u="none" strike="noStrike" cap="none">
+                    <a:solidFill>
+                      <a:schemeClr val="dk1"/>
+                    </a:solidFill>
+                    <a:latin typeface="Lato"/>
+                    <a:ea typeface="Lato"/>
+                    <a:cs typeface="Lato"/>
+                    <a:sym typeface="Lato"/>
+                  </a:defRPr>
+                </a:lvl1pPr>
+                <a:lvl2pPr marL="914400" marR="0" lvl="1" indent="-355600" algn="l" rtl="0">
+                  <a:lnSpc>
+                    <a:spcPct val="100000"/>
+                  </a:lnSpc>
+                  <a:spcBef>
+                    <a:spcPts val="0"/>
+                  </a:spcBef>
+                  <a:spcAft>
+                    <a:spcPts val="0"/>
+                  </a:spcAft>
+                  <a:buClr>
+                    <a:schemeClr val="dk1"/>
+                  </a:buClr>
+                  <a:buSzPts val="2000"/>
+                  <a:buFont typeface="Lato"/>
+                  <a:buChar char="○"/>
+                  <a:defRPr sz="2000" b="0" i="0" u="none" strike="noStrike" cap="none">
+                    <a:solidFill>
+                      <a:schemeClr val="dk1"/>
+                    </a:solidFill>
+                    <a:latin typeface="Lato"/>
+                    <a:ea typeface="Lato"/>
+                    <a:cs typeface="Lato"/>
+                    <a:sym typeface="Lato"/>
+                  </a:defRPr>
+                </a:lvl2pPr>
+                <a:lvl3pPr marL="1371600" marR="0" lvl="2" indent="-355600" algn="l" rtl="0">
+                  <a:lnSpc>
+                    <a:spcPct val="100000"/>
+                  </a:lnSpc>
+                  <a:spcBef>
+                    <a:spcPts val="0"/>
+                  </a:spcBef>
+                  <a:spcAft>
+                    <a:spcPts val="0"/>
+                  </a:spcAft>
+                  <a:buClr>
+                    <a:schemeClr val="dk1"/>
+                  </a:buClr>
+                  <a:buSzPts val="2000"/>
+                  <a:buFont typeface="Lato"/>
+                  <a:buChar char="■"/>
+                  <a:defRPr sz="2000" b="0" i="0" u="none" strike="noStrike" cap="none">
+                    <a:solidFill>
+                      <a:schemeClr val="dk1"/>
+                    </a:solidFill>
+                    <a:latin typeface="Lato"/>
+                    <a:ea typeface="Lato"/>
+                    <a:cs typeface="Lato"/>
+                    <a:sym typeface="Lato"/>
+                  </a:defRPr>
+                </a:lvl3pPr>
+                <a:lvl4pPr marL="1828800" marR="0" lvl="3" indent="-355600" algn="l" rtl="0">
+                  <a:lnSpc>
+                    <a:spcPct val="100000"/>
+                  </a:lnSpc>
+                  <a:spcBef>
+                    <a:spcPts val="0"/>
+                  </a:spcBef>
+                  <a:spcAft>
+                    <a:spcPts val="0"/>
+                  </a:spcAft>
+                  <a:buClr>
+                    <a:schemeClr val="dk1"/>
+                  </a:buClr>
+                  <a:buSzPts val="2000"/>
+                  <a:buFont typeface="Lato"/>
+                  <a:buChar char="●"/>
+                  <a:defRPr sz="2000" b="0" i="0" u="none" strike="noStrike" cap="none">
+                    <a:solidFill>
+                      <a:schemeClr val="dk1"/>
+                    </a:solidFill>
+                    <a:latin typeface="Lato"/>
+                    <a:ea typeface="Lato"/>
+                    <a:cs typeface="Lato"/>
+                    <a:sym typeface="Lato"/>
+                  </a:defRPr>
+                </a:lvl4pPr>
+                <a:lvl5pPr marL="2286000" marR="0" lvl="4" indent="-355600" algn="l" rtl="0">
+                  <a:lnSpc>
+                    <a:spcPct val="100000"/>
+                  </a:lnSpc>
+                  <a:spcBef>
+                    <a:spcPts val="0"/>
+                  </a:spcBef>
+                  <a:spcAft>
+                    <a:spcPts val="0"/>
+                  </a:spcAft>
+                  <a:buClr>
+                    <a:schemeClr val="dk1"/>
+                  </a:buClr>
+                  <a:buSzPts val="2000"/>
+                  <a:buFont typeface="Lato"/>
+                  <a:buChar char="○"/>
+                  <a:defRPr sz="2000" b="0" i="0" u="none" strike="noStrike" cap="none">
+                    <a:solidFill>
+                      <a:schemeClr val="dk1"/>
+                    </a:solidFill>
+                    <a:latin typeface="Lato"/>
+                    <a:ea typeface="Lato"/>
+                    <a:cs typeface="Lato"/>
+                    <a:sym typeface="Lato"/>
+                  </a:defRPr>
+                </a:lvl5pPr>
+                <a:lvl6pPr marL="2743200" marR="0" lvl="5" indent="-355600" algn="l" rtl="0">
+                  <a:lnSpc>
+                    <a:spcPct val="100000"/>
+                  </a:lnSpc>
+                  <a:spcBef>
+                    <a:spcPts val="0"/>
+                  </a:spcBef>
+                  <a:spcAft>
+                    <a:spcPts val="0"/>
+                  </a:spcAft>
+                  <a:buClr>
+                    <a:schemeClr val="dk1"/>
+                  </a:buClr>
+                  <a:buSzPts val="2000"/>
+                  <a:buFont typeface="Lato"/>
+                  <a:buChar char="■"/>
+                  <a:defRPr sz="2000" b="0" i="0" u="none" strike="noStrike" cap="none">
+                    <a:solidFill>
+                      <a:schemeClr val="dk1"/>
+                    </a:solidFill>
+                    <a:latin typeface="Lato"/>
+                    <a:ea typeface="Lato"/>
+                    <a:cs typeface="Lato"/>
+                    <a:sym typeface="Lato"/>
+                  </a:defRPr>
+                </a:lvl6pPr>
+                <a:lvl7pPr marL="3200400" marR="0" lvl="6" indent="-355600" algn="l" rtl="0">
+                  <a:lnSpc>
+                    <a:spcPct val="100000"/>
+                  </a:lnSpc>
+                  <a:spcBef>
+                    <a:spcPts val="0"/>
+                  </a:spcBef>
+                  <a:spcAft>
+                    <a:spcPts val="0"/>
+                  </a:spcAft>
+                  <a:buClr>
+                    <a:schemeClr val="dk1"/>
+                  </a:buClr>
+                  <a:buSzPts val="2000"/>
+                  <a:buFont typeface="Lato"/>
+                  <a:buChar char="●"/>
+                  <a:defRPr sz="2000" b="0" i="0" u="none" strike="noStrike" cap="none">
+                    <a:solidFill>
+                      <a:schemeClr val="dk1"/>
+                    </a:solidFill>
+                    <a:latin typeface="Lato"/>
+                    <a:ea typeface="Lato"/>
+                    <a:cs typeface="Lato"/>
+                    <a:sym typeface="Lato"/>
+                  </a:defRPr>
+                </a:lvl7pPr>
+                <a:lvl8pPr marL="3657600" marR="0" lvl="7" indent="-355600" algn="l" rtl="0">
+                  <a:lnSpc>
+                    <a:spcPct val="100000"/>
+                  </a:lnSpc>
+                  <a:spcBef>
+                    <a:spcPts val="0"/>
+                  </a:spcBef>
+                  <a:spcAft>
+                    <a:spcPts val="0"/>
+                  </a:spcAft>
+                  <a:buClr>
+                    <a:schemeClr val="dk1"/>
+                  </a:buClr>
+                  <a:buSzPts val="2000"/>
+                  <a:buFont typeface="Lato"/>
+                  <a:buChar char="○"/>
+                  <a:defRPr sz="2000" b="0" i="0" u="none" strike="noStrike" cap="none">
+                    <a:solidFill>
+                      <a:schemeClr val="dk1"/>
+                    </a:solidFill>
+                    <a:latin typeface="Lato"/>
+                    <a:ea typeface="Lato"/>
+                    <a:cs typeface="Lato"/>
+                    <a:sym typeface="Lato"/>
+                  </a:defRPr>
+                </a:lvl8pPr>
+                <a:lvl9pPr marL="4114800" marR="0" lvl="8" indent="-355600" algn="l" rtl="0">
+                  <a:lnSpc>
+                    <a:spcPct val="100000"/>
+                  </a:lnSpc>
+                  <a:spcBef>
+                    <a:spcPts val="0"/>
+                  </a:spcBef>
+                  <a:spcAft>
+                    <a:spcPts val="0"/>
+                  </a:spcAft>
+                  <a:buClr>
+                    <a:schemeClr val="dk1"/>
+                  </a:buClr>
+                  <a:buSzPts val="2000"/>
+                  <a:buFont typeface="Lato"/>
+                  <a:buChar char="■"/>
+                  <a:defRPr sz="2000" b="0" i="0" u="none" strike="noStrike" cap="none">
+                    <a:solidFill>
+                      <a:schemeClr val="dk1"/>
+                    </a:solidFill>
+                    <a:latin typeface="Lato"/>
+                    <a:ea typeface="Lato"/>
+                    <a:cs typeface="Lato"/>
+                    <a:sym typeface="Lato"/>
+                  </a:defRPr>
+                </a:lvl9pPr>
+              </a:lstStyle>
+              <a:p>
+                <a:pPr marL="0" lvl="0" indent="0" algn="just">
+                  <a:lnSpc>
+                    <a:spcPct val="107000"/>
+                  </a:lnSpc>
+                  <a:spcBef>
+                    <a:spcPts val="0"/>
+                  </a:spcBef>
+                  <a:buClr>
+                    <a:srgbClr val="000000"/>
+                  </a:buClr>
+                  <a:buSzPts val="1400"/>
+                  <a:buNone/>
+                  <a:defRPr/>
+                </a:pPr>
+                <a:r>
+                  <a:rPr lang="ro-RO" sz="1200" dirty="0"/>
+                  <a:t>      Valorile ponderilor </a:t>
+                </a:r>
+                <a14:m>
+                  <m:oMath xmlns:m="http://schemas.openxmlformats.org/officeDocument/2006/math">
+                    <m:sSub>
+                      <m:sSubPr>
+                        <m:ctrlPr>
+                          <a:rPr lang="ro-RO" sz="1200" b="1" i="1" smtClean="0">
+                            <a:solidFill>
+                              <a:schemeClr val="tx1"/>
+                            </a:solidFill>
+                            <a:latin typeface="Cambria Math" panose="02040503050406030204" pitchFamily="18" charset="0"/>
+                          </a:rPr>
+                        </m:ctrlPr>
+                      </m:sSubPr>
+                      <m:e>
+                        <m:r>
+                          <a:rPr lang="ro-RO" sz="1200" b="1" i="1">
+                            <a:solidFill>
+                              <a:schemeClr val="tx1"/>
+                            </a:solidFill>
+                            <a:latin typeface="Cambria Math" panose="02040503050406030204" pitchFamily="18" charset="0"/>
+                          </a:rPr>
+                          <m:t>𝝀</m:t>
+                        </m:r>
+                      </m:e>
+                      <m:sub>
+                        <m:r>
+                          <a:rPr lang="ro-RO" sz="1200" b="1" i="0">
+                            <a:solidFill>
+                              <a:schemeClr val="tx1"/>
+                            </a:solidFill>
+                            <a:latin typeface="Cambria Math" panose="02040503050406030204" pitchFamily="18" charset="0"/>
+                          </a:rPr>
+                          <m:t>𝟏</m:t>
+                        </m:r>
+                      </m:sub>
+                    </m:sSub>
+                    <m:r>
+                      <a:rPr lang="ro-RO" sz="1200" b="1" i="1">
+                        <a:solidFill>
+                          <a:schemeClr val="tx1"/>
+                        </a:solidFill>
+                        <a:latin typeface="Cambria Math" panose="02040503050406030204" pitchFamily="18" charset="0"/>
+                      </a:rPr>
+                      <m:t> </m:t>
+                    </m:r>
+                  </m:oMath>
+                </a14:m>
+                <a:r>
+                  <a:rPr lang="ro-RO" sz="1200" dirty="0"/>
+                  <a:t>,</a:t>
+                </a:r>
+                <a:r>
+                  <a:rPr lang="ro-RO" sz="1200" b="1" dirty="0">
+                    <a:solidFill>
+                      <a:schemeClr val="tx1"/>
+                    </a:solidFill>
+                  </a:rPr>
+                  <a:t> </a:t>
+                </a:r>
+                <a14:m>
+                  <m:oMath xmlns:m="http://schemas.openxmlformats.org/officeDocument/2006/math">
+                    <m:sSub>
+                      <m:sSubPr>
+                        <m:ctrlPr>
+                          <a:rPr lang="ro-RO" sz="1200" b="1" i="1">
+                            <a:solidFill>
+                              <a:schemeClr val="tx1"/>
+                            </a:solidFill>
+                            <a:latin typeface="Cambria Math" panose="02040503050406030204" pitchFamily="18" charset="0"/>
+                          </a:rPr>
+                        </m:ctrlPr>
+                      </m:sSubPr>
+                      <m:e>
+                        <m:r>
+                          <a:rPr lang="ro-RO" sz="1200" b="1" i="1">
+                            <a:solidFill>
+                              <a:schemeClr val="tx1"/>
+                            </a:solidFill>
+                            <a:latin typeface="Cambria Math" panose="02040503050406030204" pitchFamily="18" charset="0"/>
+                          </a:rPr>
+                          <m:t>𝝀</m:t>
+                        </m:r>
+                      </m:e>
+                      <m:sub>
+                        <m:r>
+                          <a:rPr lang="ro-RO" sz="1200" b="1" i="1" smtClean="0">
+                            <a:solidFill>
+                              <a:schemeClr val="tx1"/>
+                            </a:solidFill>
+                            <a:latin typeface="Cambria Math" panose="02040503050406030204" pitchFamily="18" charset="0"/>
+                          </a:rPr>
+                          <m:t>𝟐</m:t>
+                        </m:r>
+                      </m:sub>
+                    </m:sSub>
+                    <m:r>
+                      <a:rPr lang="ro-RO" sz="1200" b="1" i="1">
+                        <a:solidFill>
+                          <a:schemeClr val="tx1"/>
+                        </a:solidFill>
+                        <a:latin typeface="Cambria Math" panose="02040503050406030204" pitchFamily="18" charset="0"/>
+                      </a:rPr>
+                      <m:t> </m:t>
+                    </m:r>
+                  </m:oMath>
+                </a14:m>
+                <a:r>
+                  <a:rPr lang="el-GR" sz="1200" dirty="0"/>
+                  <a:t>,</a:t>
+                </a:r>
+                <a:r>
+                  <a:rPr lang="ro-RO" sz="1200" b="1" dirty="0">
+                    <a:solidFill>
+                      <a:schemeClr val="tx1"/>
+                    </a:solidFill>
+                  </a:rPr>
+                  <a:t> </a:t>
+                </a:r>
+                <a14:m>
+                  <m:oMath xmlns:m="http://schemas.openxmlformats.org/officeDocument/2006/math">
+                    <m:sSub>
+                      <m:sSubPr>
+                        <m:ctrlPr>
+                          <a:rPr lang="ro-RO" sz="1200" b="1" i="1">
+                            <a:solidFill>
+                              <a:schemeClr val="tx1"/>
+                            </a:solidFill>
+                            <a:latin typeface="Cambria Math" panose="02040503050406030204" pitchFamily="18" charset="0"/>
+                          </a:rPr>
+                        </m:ctrlPr>
+                      </m:sSubPr>
+                      <m:e>
+                        <m:r>
+                          <a:rPr lang="ro-RO" sz="1200" b="1" i="1">
+                            <a:solidFill>
+                              <a:schemeClr val="tx1"/>
+                            </a:solidFill>
+                            <a:latin typeface="Cambria Math" panose="02040503050406030204" pitchFamily="18" charset="0"/>
+                          </a:rPr>
+                          <m:t>𝝀</m:t>
+                        </m:r>
+                      </m:e>
+                      <m:sub>
+                        <m:r>
+                          <a:rPr lang="ro-RO" sz="1200" b="1" i="1" smtClean="0">
+                            <a:solidFill>
+                              <a:schemeClr val="tx1"/>
+                            </a:solidFill>
+                            <a:latin typeface="Cambria Math" panose="02040503050406030204" pitchFamily="18" charset="0"/>
+                          </a:rPr>
+                          <m:t>𝟑</m:t>
+                        </m:r>
+                      </m:sub>
+                    </m:sSub>
+                  </m:oMath>
+                </a14:m>
+                <a:r>
+                  <a:rPr lang="el-GR" sz="1200" dirty="0"/>
+                  <a:t> </a:t>
+                </a:r>
+                <a:r>
+                  <a:rPr lang="ro-RO" sz="1200" dirty="0"/>
+                  <a:t>sunt estimate prin interpolarea eliminată. Pseudocodul general de determinare a acestor ponderi este următorul:</a:t>
+                </a:r>
+              </a:p>
+            </p:txBody>
+          </p:sp>
+        </mc:Choice>
+        <mc:Fallback>
+          <p:sp>
+            <p:nvSpPr>
+              <p:cNvPr id="28" name="Google Shape;125;p17">
+                <a:extLst>
+                  <a:ext uri="{FF2B5EF4-FFF2-40B4-BE49-F238E27FC236}">
+                    <a16:creationId xmlns:a16="http://schemas.microsoft.com/office/drawing/2014/main" id="{58CDB429-0F79-4B74-907A-918E31A6E3D4}"/>
+                  </a:ext>
+                </a:extLst>
+              </p:cNvPr>
+              <p:cNvSpPr txBox="1">
+                <a:spLocks noRot="1" noChangeAspect="1" noMove="1" noResize="1" noEditPoints="1" noAdjustHandles="1" noChangeArrowheads="1" noChangeShapeType="1" noTextEdit="1"/>
+              </p:cNvSpPr>
+              <p:nvPr/>
+            </p:nvSpPr>
+            <p:spPr>
+              <a:xfrm>
+                <a:off x="647474" y="1696569"/>
+                <a:ext cx="7841105" cy="619800"/>
+              </a:xfrm>
+              <a:prstGeom prst="rect">
+                <a:avLst/>
+              </a:prstGeom>
+              <a:blipFill>
+                <a:blip r:embed="rId6"/>
+                <a:stretch>
+                  <a:fillRect r="-78"/>
+                </a:stretch>
+              </a:blipFill>
+              <a:ln>
+                <a:noFill/>
+              </a:ln>
+            </p:spPr>
+            <p:txBody>
+              <a:bodyPr/>
+              <a:lstStyle/>
+              <a:p>
+                <a:r>
+                  <a:rPr lang="ro-RO">
+                    <a:noFill/>
+                  </a:rPr>
+                  <a:t> </a:t>
+                </a:r>
+              </a:p>
+            </p:txBody>
+          </p:sp>
+        </mc:Fallback>
+      </mc:AlternateContent>
       <p:pic>
         <p:nvPicPr>
           <p:cNvPr id="5" name="Picture 4">
@@ -22353,7 +23011,7 @@
           <p:nvPr/>
         </p:nvPicPr>
         <p:blipFill>
-          <a:blip r:embed="rId5"/>
+          <a:blip r:embed="rId7"/>
           <a:stretch>
             <a:fillRect/>
           </a:stretch>
@@ -22717,7 +23375,7 @@
         </p:nvSpPr>
         <p:spPr>
           <a:xfrm>
-            <a:off x="1613191" y="4692110"/>
+            <a:off x="1383181" y="4700221"/>
             <a:ext cx="4724400" cy="275653"/>
           </a:xfrm>
           <a:prstGeom prst="rect">
@@ -23949,8 +24607,8 @@
           </a:p>
         </p:txBody>
       </p:sp>
-      <mc:AlternateContent xmlns:mc="http://schemas.openxmlformats.org/markup-compatibility/2006">
-        <mc:Choice xmlns:a14="http://schemas.microsoft.com/office/drawing/2010/main" Requires="a14">
+      <mc:AlternateContent xmlns:mc="http://schemas.openxmlformats.org/markup-compatibility/2006" xmlns:a14="http://schemas.microsoft.com/office/drawing/2010/main">
+        <mc:Choice Requires="a14">
           <p:sp>
             <p:nvSpPr>
               <p:cNvPr id="8" name="TextBox 7">
@@ -23993,6 +24651,7 @@
                               <a:solidFill>
                                 <a:schemeClr val="tx1"/>
                               </a:solidFill>
+                              <a:latin typeface="Cambria Math" panose="02040503050406030204" pitchFamily="18" charset="0"/>
                             </a:rPr>
                           </m:ctrlPr>
                         </m:sSubPr>
@@ -24002,6 +24661,7 @@
                               <a:solidFill>
                                 <a:schemeClr val="tx1"/>
                               </a:solidFill>
+                              <a:latin typeface="Cambria Math" panose="02040503050406030204" pitchFamily="18" charset="0"/>
                             </a:rPr>
                             <m:t>𝑷</m:t>
                           </m:r>
@@ -24012,6 +24672,7 @@
                               <a:solidFill>
                                 <a:schemeClr val="tx1"/>
                               </a:solidFill>
+                              <a:latin typeface="Cambria Math" panose="02040503050406030204" pitchFamily="18" charset="0"/>
                             </a:rPr>
                             <m:t>𝒔𝒑</m:t>
                           </m:r>
@@ -24024,6 +24685,7 @@
                               <a:solidFill>
                                 <a:schemeClr val="tx1"/>
                               </a:solidFill>
+                              <a:latin typeface="Cambria Math" panose="02040503050406030204" pitchFamily="18" charset="0"/>
                             </a:rPr>
                           </m:ctrlPr>
                         </m:dPr>
@@ -24037,6 +24699,7 @@
                                   <a:solidFill>
                                     <a:schemeClr val="tx1"/>
                                   </a:solidFill>
+                                  <a:latin typeface="Cambria Math" panose="02040503050406030204" pitchFamily="18" charset="0"/>
                                 </a:rPr>
                               </m:ctrlPr>
                             </m:dPr>
@@ -24048,6 +24711,7 @@
                                       <a:solidFill>
                                         <a:schemeClr val="tx1"/>
                                       </a:solidFill>
+                                      <a:latin typeface="Cambria Math" panose="02040503050406030204" pitchFamily="18" charset="0"/>
                                     </a:rPr>
                                   </m:ctrlPr>
                                 </m:sSubPr>
@@ -24057,6 +24721,7 @@
                                       <a:solidFill>
                                         <a:schemeClr val="tx1"/>
                                       </a:solidFill>
+                                      <a:latin typeface="Cambria Math" panose="02040503050406030204" pitchFamily="18" charset="0"/>
                                     </a:rPr>
                                     <m:t>𝒙</m:t>
                                   </m:r>
@@ -24067,6 +24732,7 @@
                                       <a:solidFill>
                                         <a:schemeClr val="tx1"/>
                                       </a:solidFill>
+                                      <a:latin typeface="Cambria Math" panose="02040503050406030204" pitchFamily="18" charset="0"/>
                                     </a:rPr>
                                     <m:t>𝒊</m:t>
                                   </m:r>
@@ -24081,6 +24747,7 @@
                                   <a:solidFill>
                                     <a:schemeClr val="tx1"/>
                                   </a:solidFill>
+                                  <a:latin typeface="Cambria Math" panose="02040503050406030204" pitchFamily="18" charset="0"/>
                                 </a:rPr>
                               </m:ctrlPr>
                             </m:sSubPr>
@@ -24090,6 +24757,7 @@
                                   <a:solidFill>
                                     <a:schemeClr val="tx1"/>
                                   </a:solidFill>
+                                  <a:latin typeface="Cambria Math" panose="02040503050406030204" pitchFamily="18" charset="0"/>
                                 </a:rPr>
                                 <m:t>𝒕</m:t>
                               </m:r>
@@ -24100,6 +24768,7 @@
                                   <a:solidFill>
                                     <a:schemeClr val="tx1"/>
                                   </a:solidFill>
+                                  <a:latin typeface="Cambria Math" panose="02040503050406030204" pitchFamily="18" charset="0"/>
                                 </a:rPr>
                                 <m:t>𝒊</m:t>
                               </m:r>
@@ -24112,6 +24781,7 @@
                           <a:solidFill>
                             <a:schemeClr val="tx1"/>
                           </a:solidFill>
+                          <a:latin typeface="Cambria Math" panose="02040503050406030204" pitchFamily="18" charset="0"/>
                         </a:rPr>
                         <m:t>=</m:t>
                       </m:r>
@@ -24122,6 +24792,7 @@
                               <a:solidFill>
                                 <a:schemeClr val="tx1"/>
                               </a:solidFill>
+                              <a:latin typeface="Cambria Math" panose="02040503050406030204" pitchFamily="18" charset="0"/>
                             </a:rPr>
                           </m:ctrlPr>
                         </m:fPr>
@@ -24131,6 +24802,7 @@
                               <a:solidFill>
                                 <a:schemeClr val="tx1"/>
                               </a:solidFill>
+                              <a:latin typeface="Cambria Math" panose="02040503050406030204" pitchFamily="18" charset="0"/>
                             </a:rPr>
                             <m:t>𝒄</m:t>
                           </m:r>
@@ -24141,6 +24813,7 @@
                                   <a:solidFill>
                                     <a:schemeClr val="tx1"/>
                                   </a:solidFill>
+                                  <a:latin typeface="Cambria Math" panose="02040503050406030204" pitchFamily="18" charset="0"/>
                                 </a:rPr>
                               </m:ctrlPr>
                             </m:dPr>
@@ -24152,6 +24825,7 @@
                                       <a:solidFill>
                                         <a:schemeClr val="tx1"/>
                                       </a:solidFill>
+                                      <a:latin typeface="Cambria Math" panose="02040503050406030204" pitchFamily="18" charset="0"/>
                                     </a:rPr>
                                   </m:ctrlPr>
                                 </m:sSubPr>
@@ -24161,6 +24835,7 @@
                                       <a:solidFill>
                                         <a:schemeClr val="tx1"/>
                                       </a:solidFill>
+                                      <a:latin typeface="Cambria Math" panose="02040503050406030204" pitchFamily="18" charset="0"/>
                                     </a:rPr>
                                     <m:t>𝒕</m:t>
                                   </m:r>
@@ -24171,6 +24846,7 @@
                                       <a:solidFill>
                                         <a:schemeClr val="tx1"/>
                                       </a:solidFill>
+                                      <a:latin typeface="Cambria Math" panose="02040503050406030204" pitchFamily="18" charset="0"/>
                                     </a:rPr>
                                     <m:t>𝒊</m:t>
                                   </m:r>
@@ -24181,6 +24857,7 @@
                                   <a:solidFill>
                                     <a:schemeClr val="tx1"/>
                                   </a:solidFill>
+                                  <a:latin typeface="Cambria Math" panose="02040503050406030204" pitchFamily="18" charset="0"/>
                                 </a:rPr>
                                 <m:t>,</m:t>
                               </m:r>
@@ -24191,6 +24868,7 @@
                                       <a:solidFill>
                                         <a:schemeClr val="tx1"/>
                                       </a:solidFill>
+                                      <a:latin typeface="Cambria Math" panose="02040503050406030204" pitchFamily="18" charset="0"/>
                                     </a:rPr>
                                   </m:ctrlPr>
                                 </m:sSubPr>
@@ -24200,6 +24878,7 @@
                                       <a:solidFill>
                                         <a:schemeClr val="tx1"/>
                                       </a:solidFill>
+                                      <a:latin typeface="Cambria Math" panose="02040503050406030204" pitchFamily="18" charset="0"/>
                                     </a:rPr>
                                     <m:t>𝒙</m:t>
                                   </m:r>
@@ -24210,6 +24889,7 @@
                                       <a:solidFill>
                                         <a:schemeClr val="tx1"/>
                                       </a:solidFill>
+                                      <a:latin typeface="Cambria Math" panose="02040503050406030204" pitchFamily="18" charset="0"/>
                                     </a:rPr>
                                     <m:t>𝒊</m:t>
                                   </m:r>
@@ -24222,6 +24902,7 @@
                               <a:solidFill>
                                 <a:schemeClr val="tx1"/>
                               </a:solidFill>
+                              <a:latin typeface="Cambria Math" panose="02040503050406030204" pitchFamily="18" charset="0"/>
                             </a:rPr>
                             <m:t>+ </m:t>
                           </m:r>
@@ -24230,6 +24911,7 @@
                               <a:solidFill>
                                 <a:schemeClr val="tx1"/>
                               </a:solidFill>
+                              <a:latin typeface="Cambria Math" panose="02040503050406030204" pitchFamily="18" charset="0"/>
                             </a:rPr>
                             <m:t>𝜶</m:t>
                           </m:r>
@@ -24244,6 +24926,7 @@
                                   <a:solidFill>
                                     <a:schemeClr val="tx1"/>
                                   </a:solidFill>
+                                  <a:latin typeface="Cambria Math" panose="02040503050406030204" pitchFamily="18" charset="0"/>
                                 </a:rPr>
                               </m:ctrlPr>
                             </m:naryPr>
@@ -24253,6 +24936,7 @@
                                   <a:solidFill>
                                     <a:schemeClr val="tx1"/>
                                   </a:solidFill>
+                                  <a:latin typeface="Cambria Math" panose="02040503050406030204" pitchFamily="18" charset="0"/>
                                 </a:rPr>
                                 <m:t>𝒌</m:t>
                               </m:r>
@@ -24261,6 +24945,7 @@
                                   <a:solidFill>
                                     <a:schemeClr val="tx1"/>
                                   </a:solidFill>
+                                  <a:latin typeface="Cambria Math" panose="02040503050406030204" pitchFamily="18" charset="0"/>
                                 </a:rPr>
                                 <m:t>=</m:t>
                               </m:r>
@@ -24269,6 +24954,7 @@
                                   <a:solidFill>
                                     <a:schemeClr val="tx1"/>
                                   </a:solidFill>
+                                  <a:latin typeface="Cambria Math" panose="02040503050406030204" pitchFamily="18" charset="0"/>
                                 </a:rPr>
                                 <m:t>𝟏</m:t>
                               </m:r>
@@ -24281,6 +24967,7 @@
                                       <a:solidFill>
                                         <a:schemeClr val="tx1"/>
                                       </a:solidFill>
+                                      <a:latin typeface="Cambria Math" panose="02040503050406030204" pitchFamily="18" charset="0"/>
                                     </a:rPr>
                                   </m:ctrlPr>
                                 </m:sSubSupPr>
@@ -24290,6 +24977,7 @@
                                       <a:solidFill>
                                         <a:schemeClr val="tx1"/>
                                       </a:solidFill>
+                                      <a:latin typeface="Cambria Math" panose="02040503050406030204" pitchFamily="18" charset="0"/>
                                     </a:rPr>
                                     <m:t>𝑻</m:t>
                                   </m:r>
@@ -24300,6 +24988,7 @@
                                       <a:solidFill>
                                         <a:schemeClr val="tx1"/>
                                       </a:solidFill>
+                                      <a:latin typeface="Cambria Math" panose="02040503050406030204" pitchFamily="18" charset="0"/>
                                     </a:rPr>
                                     <m:t>𝒏</m:t>
                                   </m:r>
@@ -24312,6 +25001,7 @@
                                           <a:solidFill>
                                             <a:schemeClr val="tx1"/>
                                           </a:solidFill>
+                                          <a:latin typeface="Cambria Math" panose="02040503050406030204" pitchFamily="18" charset="0"/>
                                         </a:rPr>
                                       </m:ctrlPr>
                                     </m:sSubPr>
@@ -24321,6 +25011,7 @@
                                           <a:solidFill>
                                             <a:schemeClr val="tx1"/>
                                           </a:solidFill>
+                                          <a:latin typeface="Cambria Math" panose="02040503050406030204" pitchFamily="18" charset="0"/>
                                         </a:rPr>
                                         <m:t>𝒙</m:t>
                                       </m:r>
@@ -24331,6 +25022,7 @@
                                           <a:solidFill>
                                             <a:schemeClr val="tx1"/>
                                           </a:solidFill>
+                                          <a:latin typeface="Cambria Math" panose="02040503050406030204" pitchFamily="18" charset="0"/>
                                         </a:rPr>
                                         <m:t>𝒊</m:t>
                                       </m:r>
@@ -24345,6 +25037,7 @@
                                   <a:solidFill>
                                     <a:schemeClr val="tx1"/>
                                   </a:solidFill>
+                                  <a:latin typeface="Cambria Math" panose="02040503050406030204" pitchFamily="18" charset="0"/>
                                 </a:rPr>
                                 <m:t>𝒌</m:t>
                               </m:r>
@@ -24355,6 +25048,7 @@
                               <a:solidFill>
                                 <a:schemeClr val="tx1"/>
                               </a:solidFill>
+                              <a:latin typeface="Cambria Math" panose="02040503050406030204" pitchFamily="18" charset="0"/>
                             </a:rPr>
                             <m:t>+ </m:t>
                           </m:r>
@@ -24363,6 +25057,7 @@
                               <a:solidFill>
                                 <a:schemeClr val="tx1"/>
                               </a:solidFill>
+                              <a:latin typeface="Cambria Math" panose="02040503050406030204" pitchFamily="18" charset="0"/>
                             </a:rPr>
                             <m:t>𝜶</m:t>
                           </m:r>
@@ -24371,6 +25066,7 @@
                               <a:solidFill>
                                 <a:schemeClr val="tx1"/>
                               </a:solidFill>
+                              <a:latin typeface="Cambria Math" panose="02040503050406030204" pitchFamily="18" charset="0"/>
                             </a:rPr>
                             <m:t>𝒅</m:t>
                           </m:r>
@@ -24388,7 +25084,7 @@
             </p:txBody>
           </p:sp>
         </mc:Choice>
-        <mc:Fallback>
+        <mc:Fallback xmlns="">
           <p:sp>
             <p:nvSpPr>
               <p:cNvPr id="8" name="TextBox 7">
@@ -24433,8 +25129,8 @@
           </p:sp>
         </mc:Fallback>
       </mc:AlternateContent>
-      <mc:AlternateContent xmlns:mc="http://schemas.openxmlformats.org/markup-compatibility/2006">
-        <mc:Choice xmlns:a14="http://schemas.microsoft.com/office/drawing/2010/main" Requires="a14">
+      <mc:AlternateContent xmlns:mc="http://schemas.openxmlformats.org/markup-compatibility/2006" xmlns:a14="http://schemas.microsoft.com/office/drawing/2010/main">
+        <mc:Choice Requires="a14">
           <p:sp>
             <p:nvSpPr>
               <p:cNvPr id="10" name="TextBox 9">
@@ -24481,6 +25177,7 @@
                             <a:solidFill>
                               <a:schemeClr val="tx1"/>
                             </a:solidFill>
+                            <a:latin typeface="Cambria Math" panose="02040503050406030204" pitchFamily="18" charset="0"/>
                           </a:rPr>
                         </m:ctrlPr>
                       </m:sSubPr>
@@ -24490,6 +25187,7 @@
                             <a:solidFill>
                               <a:schemeClr val="tx1"/>
                             </a:solidFill>
+                            <a:latin typeface="Cambria Math" panose="02040503050406030204" pitchFamily="18" charset="0"/>
                           </a:rPr>
                           <m:t>𝑃</m:t>
                         </m:r>
@@ -24500,6 +25198,7 @@
                             <a:solidFill>
                               <a:schemeClr val="tx1"/>
                             </a:solidFill>
+                            <a:latin typeface="Cambria Math" panose="02040503050406030204" pitchFamily="18" charset="0"/>
                           </a:rPr>
                           <m:t>𝑠𝑝</m:t>
                         </m:r>
@@ -24512,6 +25211,7 @@
                             <a:solidFill>
                               <a:schemeClr val="tx1"/>
                             </a:solidFill>
+                            <a:latin typeface="Cambria Math" panose="02040503050406030204" pitchFamily="18" charset="0"/>
                           </a:rPr>
                         </m:ctrlPr>
                       </m:dPr>
@@ -24525,6 +25225,7 @@
                                 <a:solidFill>
                                   <a:schemeClr val="tx1"/>
                                 </a:solidFill>
+                                <a:latin typeface="Cambria Math" panose="02040503050406030204" pitchFamily="18" charset="0"/>
                               </a:rPr>
                             </m:ctrlPr>
                           </m:dPr>
@@ -24536,6 +25237,7 @@
                                     <a:solidFill>
                                       <a:schemeClr val="tx1"/>
                                     </a:solidFill>
+                                    <a:latin typeface="Cambria Math" panose="02040503050406030204" pitchFamily="18" charset="0"/>
                                   </a:rPr>
                                 </m:ctrlPr>
                               </m:sSubPr>
@@ -24545,6 +25247,7 @@
                                     <a:solidFill>
                                       <a:schemeClr val="tx1"/>
                                     </a:solidFill>
+                                    <a:latin typeface="Cambria Math" panose="02040503050406030204" pitchFamily="18" charset="0"/>
                                   </a:rPr>
                                   <m:t>𝑥</m:t>
                                 </m:r>
@@ -24555,6 +25258,7 @@
                                     <a:solidFill>
                                       <a:schemeClr val="tx1"/>
                                     </a:solidFill>
+                                    <a:latin typeface="Cambria Math" panose="02040503050406030204" pitchFamily="18" charset="0"/>
                                   </a:rPr>
                                   <m:t>𝑖</m:t>
                                 </m:r>
@@ -24569,6 +25273,7 @@
                                 <a:solidFill>
                                   <a:schemeClr val="tx1"/>
                                 </a:solidFill>
+                                <a:latin typeface="Cambria Math" panose="02040503050406030204" pitchFamily="18" charset="0"/>
                               </a:rPr>
                             </m:ctrlPr>
                           </m:sSubPr>
@@ -24578,6 +25283,7 @@
                                 <a:solidFill>
                                   <a:schemeClr val="tx1"/>
                                 </a:solidFill>
+                                <a:latin typeface="Cambria Math" panose="02040503050406030204" pitchFamily="18" charset="0"/>
                               </a:rPr>
                               <m:t>𝑡</m:t>
                             </m:r>
@@ -24588,6 +25294,7 @@
                                 <a:solidFill>
                                   <a:schemeClr val="tx1"/>
                                 </a:solidFill>
+                                <a:latin typeface="Cambria Math" panose="02040503050406030204" pitchFamily="18" charset="0"/>
                               </a:rPr>
                               <m:t>𝑖</m:t>
                             </m:r>
@@ -24615,6 +25322,7 @@
                             <a:solidFill>
                               <a:schemeClr val="tx1"/>
                             </a:solidFill>
+                            <a:latin typeface="Cambria Math" panose="02040503050406030204" pitchFamily="18" charset="0"/>
                           </a:rPr>
                         </m:ctrlPr>
                       </m:sSubPr>
@@ -24624,6 +25332,7 @@
                             <a:solidFill>
                               <a:schemeClr val="tx1"/>
                             </a:solidFill>
+                            <a:latin typeface="Cambria Math" panose="02040503050406030204" pitchFamily="18" charset="0"/>
                           </a:rPr>
                           <m:t>𝑥</m:t>
                         </m:r>
@@ -24634,6 +25343,7 @@
                             <a:solidFill>
                               <a:schemeClr val="tx1"/>
                             </a:solidFill>
+                            <a:latin typeface="Cambria Math" panose="02040503050406030204" pitchFamily="18" charset="0"/>
                           </a:rPr>
                           <m:t>𝑖</m:t>
                         </m:r>
@@ -24677,6 +25387,7 @@
                             <a:solidFill>
                               <a:schemeClr val="tx1"/>
                             </a:solidFill>
+                            <a:latin typeface="Cambria Math" panose="02040503050406030204" pitchFamily="18" charset="0"/>
                           </a:rPr>
                         </m:ctrlPr>
                       </m:sSubPr>
@@ -24686,6 +25397,7 @@
                             <a:solidFill>
                               <a:schemeClr val="tx1"/>
                             </a:solidFill>
+                            <a:latin typeface="Cambria Math" panose="02040503050406030204" pitchFamily="18" charset="0"/>
                           </a:rPr>
                           <m:t>𝑡</m:t>
                         </m:r>
@@ -24696,6 +25408,7 @@
                             <a:solidFill>
                               <a:schemeClr val="tx1"/>
                             </a:solidFill>
+                            <a:latin typeface="Cambria Math" panose="02040503050406030204" pitchFamily="18" charset="0"/>
                           </a:rPr>
                           <m:t>𝑖</m:t>
                         </m:r>
@@ -24718,6 +25431,7 @@
                         <a:solidFill>
                           <a:schemeClr val="tx1"/>
                         </a:solidFill>
+                        <a:latin typeface="Cambria Math" panose="02040503050406030204" pitchFamily="18" charset="0"/>
                       </a:rPr>
                       <m:t>𝑐</m:t>
                     </m:r>
@@ -24728,6 +25442,7 @@
                             <a:solidFill>
                               <a:schemeClr val="tx1"/>
                             </a:solidFill>
+                            <a:latin typeface="Cambria Math" panose="02040503050406030204" pitchFamily="18" charset="0"/>
                           </a:rPr>
                         </m:ctrlPr>
                       </m:dPr>
@@ -24739,6 +25454,7 @@
                                 <a:solidFill>
                                   <a:schemeClr val="tx1"/>
                                 </a:solidFill>
+                                <a:latin typeface="Cambria Math" panose="02040503050406030204" pitchFamily="18" charset="0"/>
                               </a:rPr>
                             </m:ctrlPr>
                           </m:sSubPr>
@@ -24748,6 +25464,7 @@
                                 <a:solidFill>
                                   <a:schemeClr val="tx1"/>
                                 </a:solidFill>
+                                <a:latin typeface="Cambria Math" panose="02040503050406030204" pitchFamily="18" charset="0"/>
                               </a:rPr>
                               <m:t>𝑡</m:t>
                             </m:r>
@@ -24758,6 +25475,7 @@
                                 <a:solidFill>
                                   <a:schemeClr val="tx1"/>
                                 </a:solidFill>
+                                <a:latin typeface="Cambria Math" panose="02040503050406030204" pitchFamily="18" charset="0"/>
                               </a:rPr>
                               <m:t>𝑖</m:t>
                             </m:r>
@@ -24768,6 +25486,7 @@
                             <a:solidFill>
                               <a:schemeClr val="tx1"/>
                             </a:solidFill>
+                            <a:latin typeface="Cambria Math" panose="02040503050406030204" pitchFamily="18" charset="0"/>
                           </a:rPr>
                           <m:t>,</m:t>
                         </m:r>
@@ -24778,6 +25497,7 @@
                                 <a:solidFill>
                                   <a:schemeClr val="tx1"/>
                                 </a:solidFill>
+                                <a:latin typeface="Cambria Math" panose="02040503050406030204" pitchFamily="18" charset="0"/>
                               </a:rPr>
                             </m:ctrlPr>
                           </m:sSubPr>
@@ -24787,6 +25507,7 @@
                                 <a:solidFill>
                                   <a:schemeClr val="tx1"/>
                                 </a:solidFill>
+                                <a:latin typeface="Cambria Math" panose="02040503050406030204" pitchFamily="18" charset="0"/>
                               </a:rPr>
                               <m:t>𝑥</m:t>
                             </m:r>
@@ -24797,6 +25518,7 @@
                                 <a:solidFill>
                                   <a:schemeClr val="tx1"/>
                                 </a:solidFill>
+                                <a:latin typeface="Cambria Math" panose="02040503050406030204" pitchFamily="18" charset="0"/>
                               </a:rPr>
                               <m:t>𝑖</m:t>
                             </m:r>
@@ -24824,6 +25546,7 @@
                             <a:solidFill>
                               <a:schemeClr val="tx1"/>
                             </a:solidFill>
+                            <a:latin typeface="Cambria Math" panose="02040503050406030204" pitchFamily="18" charset="0"/>
                           </a:rPr>
                         </m:ctrlPr>
                       </m:sSubPr>
@@ -24833,6 +25556,7 @@
                             <a:solidFill>
                               <a:schemeClr val="tx1"/>
                             </a:solidFill>
+                            <a:latin typeface="Cambria Math" panose="02040503050406030204" pitchFamily="18" charset="0"/>
                           </a:rPr>
                           <m:t>𝑥</m:t>
                         </m:r>
@@ -24843,6 +25567,7 @@
                             <a:solidFill>
                               <a:schemeClr val="tx1"/>
                             </a:solidFill>
+                            <a:latin typeface="Cambria Math" panose="02040503050406030204" pitchFamily="18" charset="0"/>
                           </a:rPr>
                           <m:t>𝑖</m:t>
                         </m:r>
@@ -24886,6 +25611,7 @@
                             <a:solidFill>
                               <a:schemeClr val="tx1"/>
                             </a:solidFill>
+                            <a:latin typeface="Cambria Math" panose="02040503050406030204" pitchFamily="18" charset="0"/>
                           </a:rPr>
                         </m:ctrlPr>
                       </m:sSubPr>
@@ -24895,6 +25621,7 @@
                             <a:solidFill>
                               <a:schemeClr val="tx1"/>
                             </a:solidFill>
+                            <a:latin typeface="Cambria Math" panose="02040503050406030204" pitchFamily="18" charset="0"/>
                           </a:rPr>
                           <m:t>𝑡</m:t>
                         </m:r>
@@ -24905,6 +25632,7 @@
                             <a:solidFill>
                               <a:schemeClr val="tx1"/>
                             </a:solidFill>
+                            <a:latin typeface="Cambria Math" panose="02040503050406030204" pitchFamily="18" charset="0"/>
                           </a:rPr>
                           <m:t>𝑖</m:t>
                         </m:r>
@@ -24927,6 +25655,7 @@
                         <a:solidFill>
                           <a:schemeClr val="tx1"/>
                         </a:solidFill>
+                        <a:latin typeface="Cambria Math" panose="02040503050406030204" pitchFamily="18" charset="0"/>
                       </a:rPr>
                       <m:t>𝛼</m:t>
                     </m:r>
@@ -24954,6 +25683,7 @@
                             <a:solidFill>
                               <a:schemeClr val="tx1"/>
                             </a:solidFill>
+                            <a:latin typeface="Cambria Math" panose="02040503050406030204" pitchFamily="18" charset="0"/>
                           </a:rPr>
                         </m:ctrlPr>
                       </m:naryPr>
@@ -24963,6 +25693,7 @@
                             <a:solidFill>
                               <a:schemeClr val="tx1"/>
                             </a:solidFill>
+                            <a:latin typeface="Cambria Math" panose="02040503050406030204" pitchFamily="18" charset="0"/>
                           </a:rPr>
                           <m:t>𝑘</m:t>
                         </m:r>
@@ -24971,6 +25702,7 @@
                             <a:solidFill>
                               <a:schemeClr val="tx1"/>
                             </a:solidFill>
+                            <a:latin typeface="Cambria Math" panose="02040503050406030204" pitchFamily="18" charset="0"/>
                           </a:rPr>
                           <m:t>=1</m:t>
                         </m:r>
@@ -24983,6 +25715,7 @@
                                 <a:solidFill>
                                   <a:schemeClr val="tx1"/>
                                 </a:solidFill>
+                                <a:latin typeface="Cambria Math" panose="02040503050406030204" pitchFamily="18" charset="0"/>
                               </a:rPr>
                             </m:ctrlPr>
                           </m:sSubSupPr>
@@ -24992,6 +25725,7 @@
                                 <a:solidFill>
                                   <a:schemeClr val="tx1"/>
                                 </a:solidFill>
+                                <a:latin typeface="Cambria Math" panose="02040503050406030204" pitchFamily="18" charset="0"/>
                               </a:rPr>
                               <m:t>𝑇</m:t>
                             </m:r>
@@ -25002,6 +25736,7 @@
                                 <a:solidFill>
                                   <a:schemeClr val="tx1"/>
                                 </a:solidFill>
+                                <a:latin typeface="Cambria Math" panose="02040503050406030204" pitchFamily="18" charset="0"/>
                               </a:rPr>
                               <m:t>𝑛</m:t>
                             </m:r>
@@ -25014,6 +25749,7 @@
                                     <a:solidFill>
                                       <a:schemeClr val="tx1"/>
                                     </a:solidFill>
+                                    <a:latin typeface="Cambria Math" panose="02040503050406030204" pitchFamily="18" charset="0"/>
                                   </a:rPr>
                                 </m:ctrlPr>
                               </m:sSubPr>
@@ -25023,6 +25759,7 @@
                                     <a:solidFill>
                                       <a:schemeClr val="tx1"/>
                                     </a:solidFill>
+                                    <a:latin typeface="Cambria Math" panose="02040503050406030204" pitchFamily="18" charset="0"/>
                                   </a:rPr>
                                   <m:t>𝑥</m:t>
                                 </m:r>
@@ -25033,6 +25770,7 @@
                                     <a:solidFill>
                                       <a:schemeClr val="tx1"/>
                                     </a:solidFill>
+                                    <a:latin typeface="Cambria Math" panose="02040503050406030204" pitchFamily="18" charset="0"/>
                                   </a:rPr>
                                   <m:t>𝑖</m:t>
                                 </m:r>
@@ -25047,6 +25785,7 @@
                             <a:solidFill>
                               <a:schemeClr val="tx1"/>
                             </a:solidFill>
+                            <a:latin typeface="Cambria Math" panose="02040503050406030204" pitchFamily="18" charset="0"/>
                           </a:rPr>
                           <m:t>𝑘</m:t>
                         </m:r>
@@ -25057,6 +25796,7 @@
                         <a:solidFill>
                           <a:schemeClr val="tx1"/>
                         </a:solidFill>
+                        <a:latin typeface="Cambria Math" panose="02040503050406030204" pitchFamily="18" charset="0"/>
                       </a:rPr>
                       <m:t>  </m:t>
                     </m:r>
@@ -25098,6 +25838,7 @@
                             <a:solidFill>
                               <a:schemeClr val="tx1"/>
                             </a:solidFill>
+                            <a:latin typeface="Cambria Math" panose="02040503050406030204" pitchFamily="18" charset="0"/>
                           </a:rPr>
                         </m:ctrlPr>
                       </m:sSubPr>
@@ -25107,6 +25848,7 @@
                             <a:solidFill>
                               <a:schemeClr val="tx1"/>
                             </a:solidFill>
+                            <a:latin typeface="Cambria Math" panose="02040503050406030204" pitchFamily="18" charset="0"/>
                           </a:rPr>
                           <m:t>𝑥</m:t>
                         </m:r>
@@ -25117,6 +25859,7 @@
                             <a:solidFill>
                               <a:schemeClr val="tx1"/>
                             </a:solidFill>
+                            <a:latin typeface="Cambria Math" panose="02040503050406030204" pitchFamily="18" charset="0"/>
                           </a:rPr>
                           <m:t>𝑖</m:t>
                         </m:r>
@@ -25148,6 +25891,7 @@
                         <a:solidFill>
                           <a:schemeClr val="tx1"/>
                         </a:solidFill>
+                        <a:latin typeface="Cambria Math" panose="02040503050406030204" pitchFamily="18" charset="0"/>
                       </a:rPr>
                       <m:t>𝑥</m:t>
                     </m:r>
@@ -25163,7 +25907,7 @@
             </p:txBody>
           </p:sp>
         </mc:Choice>
-        <mc:Fallback>
+        <mc:Fallback xmlns="">
           <p:sp>
             <p:nvSpPr>
               <p:cNvPr id="10" name="TextBox 9">
@@ -25300,7 +26044,7 @@
                 <a:ea typeface="Calibri" panose="020F0502020204030204" pitchFamily="34" charset="0"/>
                 <a:cs typeface="Times New Roman" panose="02020603050405020304" pitchFamily="18" charset="0"/>
               </a:rPr>
-              <a:t>Pentru a putea combina aceste componente prezentate anterior, va trebui calculată  probabilitatea cuvântului necunoscut cu </a:t>
+              <a:t>Pentru a putea combina aceste componente prezentate aici, va trebui calculată  probabilitatea cuvântului necunoscut cu </a:t>
             </a:r>
             <a:r>
               <a:rPr lang="ro-RO" sz="1100" dirty="0" err="1">
@@ -25324,7 +26068,31 @@
                 <a:ea typeface="Calibri" panose="020F0502020204030204" pitchFamily="34" charset="0"/>
                 <a:cs typeface="Times New Roman" panose="02020603050405020304" pitchFamily="18" charset="0"/>
               </a:rPr>
-              <a:t> curent în funcție de sufixele și prefixele asociate acestuia și  probabilitatea în funcție de condițiile trecute pentru ponderea de reguli. Acestea sunt combinate în următoarea probabilitate finală:</a:t>
+              <a:t> curent în funcție de sufixele și prefixele asociate acestuia și  probabilitatea în funcție de </a:t>
+            </a:r>
+            <a:r>
+              <a:rPr lang="ro-RO" sz="1100" dirty="0" err="1">
+                <a:solidFill>
+                  <a:schemeClr val="tx1"/>
+                </a:solidFill>
+                <a:effectLst/>
+                <a:latin typeface="Lato" panose="020B0604020202020204" charset="0"/>
+                <a:ea typeface="Calibri" panose="020F0502020204030204" pitchFamily="34" charset="0"/>
+                <a:cs typeface="Times New Roman" panose="02020603050405020304" pitchFamily="18" charset="0"/>
+              </a:rPr>
+              <a:t>condițile</a:t>
+            </a:r>
+            <a:r>
+              <a:rPr lang="ro-RO" sz="1100" dirty="0">
+                <a:solidFill>
+                  <a:schemeClr val="tx1"/>
+                </a:solidFill>
+                <a:effectLst/>
+                <a:latin typeface="Lato" panose="020B0604020202020204" charset="0"/>
+                <a:ea typeface="Calibri" panose="020F0502020204030204" pitchFamily="34" charset="0"/>
+                <a:cs typeface="Times New Roman" panose="02020603050405020304" pitchFamily="18" charset="0"/>
+              </a:rPr>
+              <a:t> trecute pentru ponderea de reguli. Acestea sunt combinate în următoarea probabilitate finală:</a:t>
             </a:r>
           </a:p>
         </p:txBody>
@@ -25345,7 +26113,7 @@
             </p:nvSpPr>
             <p:spPr>
               <a:xfrm>
-                <a:off x="-291675" y="4204842"/>
+                <a:off x="-260413" y="4204842"/>
                 <a:ext cx="4572000" cy="307777"/>
               </a:xfrm>
               <a:prstGeom prst="rect">
@@ -25574,7 +26342,7 @@
             </p:nvSpPr>
             <p:spPr>
               <a:xfrm>
-                <a:off x="-291675" y="4204842"/>
+                <a:off x="-260413" y="4204842"/>
                 <a:ext cx="4572000" cy="307777"/>
               </a:xfrm>
               <a:prstGeom prst="rect">
@@ -25602,8 +26370,8 @@
           </p:sp>
         </mc:Fallback>
       </mc:AlternateContent>
-      <mc:AlternateContent xmlns:mc="http://schemas.openxmlformats.org/markup-compatibility/2006">
-        <mc:Choice xmlns:a14="http://schemas.microsoft.com/office/drawing/2010/main" Requires="a14">
+      <mc:AlternateContent xmlns:mc="http://schemas.openxmlformats.org/markup-compatibility/2006" xmlns:a14="http://schemas.microsoft.com/office/drawing/2010/main">
+        <mc:Choice Requires="a14">
           <p:sp>
             <p:nvSpPr>
               <p:cNvPr id="16" name="TextBox 15">
@@ -26387,7 +27155,7 @@
             </p:txBody>
           </p:sp>
         </mc:Choice>
-        <mc:Fallback>
+        <mc:Fallback xmlns="">
           <p:sp>
             <p:nvSpPr>
               <p:cNvPr id="16" name="TextBox 15">
@@ -26942,7 +27710,7 @@
             </a:r>
             <a:r>
               <a:rPr lang="ro-RO" sz="1100" dirty="0"/>
-              <a:t>-ului pornind de la stânga la dreapta dar de asemenea poate să o facă și invers. Am să numesc aceste metode </a:t>
+              <a:t>-ului (ca în figura de mai jos) pornind de la stânga la dreapta dar de asemenea poate să o facă și invers. Am să numesc aceste metode </a:t>
             </a:r>
             <a:r>
               <a:rPr lang="ro-RO" sz="1100" dirty="0" err="1"/>
@@ -26958,7 +27726,7 @@
             </a:r>
             <a:r>
               <a:rPr lang="ro-RO" sz="1100" dirty="0"/>
-              <a:t> (merge de la sfârșitul propoziției la începutul acesteia) și bidirecțional (o combinație între ambele), acestea sunt metodele de decodificare bazate pe algoritmul </a:t>
+              <a:t> (merge de la sfârșitul propoziției la începutul acesteia) și bidirecțional (o combinație între ambele, preia secvența unde nodul final este cel mai mare), acestea sunt metodele de decodificare bazate pe algoritmul </a:t>
             </a:r>
             <a:r>
               <a:rPr lang="ro-RO" sz="1100" dirty="0" err="1"/>
@@ -26987,7 +27755,7 @@
             </p:nvSpPr>
             <p:spPr>
               <a:xfrm>
-                <a:off x="253999" y="2654534"/>
+                <a:off x="273397" y="2790710"/>
                 <a:ext cx="4572000" cy="340478"/>
               </a:xfrm>
               <a:prstGeom prst="rect">
@@ -27371,7 +28139,7 @@
             </p:nvSpPr>
             <p:spPr>
               <a:xfrm>
-                <a:off x="253999" y="2654534"/>
+                <a:off x="273397" y="2790710"/>
                 <a:ext cx="4572000" cy="340478"/>
               </a:xfrm>
               <a:prstGeom prst="rect">
@@ -27421,7 +28189,7 @@
         </p:blipFill>
         <p:spPr>
           <a:xfrm>
-            <a:off x="4442691" y="2635457"/>
+            <a:off x="4524538" y="2684011"/>
             <a:ext cx="3956037" cy="2169672"/>
           </a:xfrm>
           <a:prstGeom prst="rect">
@@ -27445,7 +28213,7 @@
             </p:nvSpPr>
             <p:spPr>
               <a:xfrm>
-                <a:off x="757950" y="3081863"/>
+                <a:off x="757950" y="3187791"/>
                 <a:ext cx="3602894" cy="1583832"/>
               </a:xfrm>
               <a:prstGeom prst="rect">
@@ -28200,7 +28968,7 @@
             </p:nvSpPr>
             <p:spPr>
               <a:xfrm>
-                <a:off x="757950" y="3081863"/>
+                <a:off x="757950" y="3187791"/>
                 <a:ext cx="3602894" cy="1583832"/>
               </a:xfrm>
               <a:prstGeom prst="rect">
@@ -28209,7 +28977,7 @@
               <a:blipFill>
                 <a:blip r:embed="rId5"/>
                 <a:stretch>
-                  <a:fillRect t="-386" b="-1544"/>
+                  <a:fillRect b="-1154"/>
                 </a:stretch>
               </a:blipFill>
             </p:spPr>
@@ -28666,8 +29434,8 @@
           </a:p>
         </p:txBody>
       </p:sp>
-      <mc:AlternateContent xmlns:mc="http://schemas.openxmlformats.org/markup-compatibility/2006">
-        <mc:Choice xmlns:a14="http://schemas.microsoft.com/office/drawing/2010/main" Requires="a14">
+      <mc:AlternateContent xmlns:mc="http://schemas.openxmlformats.org/markup-compatibility/2006" xmlns:a14="http://schemas.microsoft.com/office/drawing/2010/main">
+        <mc:Choice Requires="a14">
           <p:sp>
             <p:nvSpPr>
               <p:cNvPr id="10" name="TextBox 9">
@@ -28929,7 +29697,7 @@
             </p:txBody>
           </p:sp>
         </mc:Choice>
-        <mc:Fallback>
+        <mc:Fallback xmlns="">
           <p:sp>
             <p:nvSpPr>
               <p:cNvPr id="10" name="TextBox 9">
@@ -28988,7 +29756,7 @@
         </p:nvSpPr>
         <p:spPr>
           <a:xfrm>
-            <a:off x="734318" y="2038130"/>
+            <a:off x="710687" y="2099510"/>
             <a:ext cx="7852650" cy="430887"/>
           </a:xfrm>
           <a:prstGeom prst="rect">
@@ -29132,12 +29900,26 @@
         </p:blipFill>
         <p:spPr>
           <a:xfrm>
-            <a:off x="5880458" y="2660171"/>
-            <a:ext cx="2505592" cy="2110654"/>
+            <a:off x="5815344" y="2668295"/>
+            <a:ext cx="2408229" cy="2028638"/>
           </a:xfrm>
           <a:prstGeom prst="rect">
             <a:avLst/>
           </a:prstGeom>
+          <a:ln w="38100" cap="sq">
+            <a:solidFill>
+              <a:srgbClr val="000000"/>
+            </a:solidFill>
+            <a:prstDash val="solid"/>
+            <a:miter lim="800000"/>
+          </a:ln>
+          <a:effectLst>
+            <a:outerShdw blurRad="50800" dist="38100" dir="2700000" algn="tl" rotWithShape="0">
+              <a:srgbClr val="000000">
+                <a:alpha val="43000"/>
+              </a:srgbClr>
+            </a:outerShdw>
+          </a:effectLst>
         </p:spPr>
       </p:pic>
       <mc:AlternateContent xmlns:mc="http://schemas.openxmlformats.org/markup-compatibility/2006">
@@ -29156,7 +29938,7 @@
             </p:nvSpPr>
             <p:spPr>
               <a:xfrm>
-                <a:off x="-48491" y="2674484"/>
+                <a:off x="-189168" y="2738114"/>
                 <a:ext cx="4572000" cy="429477"/>
               </a:xfrm>
               <a:prstGeom prst="rect">
@@ -29330,7 +30112,7 @@
             </p:nvSpPr>
             <p:spPr>
               <a:xfrm>
-                <a:off x="-48491" y="2674484"/>
+                <a:off x="-189168" y="2738114"/>
                 <a:ext cx="4572000" cy="429477"/>
               </a:xfrm>
               <a:prstGeom prst="rect">
@@ -29339,7 +30121,7 @@
               <a:blipFill>
                 <a:blip r:embed="rId5"/>
                 <a:stretch>
-                  <a:fillRect b="-4286"/>
+                  <a:fillRect b="-4225"/>
                 </a:stretch>
               </a:blipFill>
             </p:spPr>
@@ -29374,7 +30156,7 @@
             </p:nvSpPr>
             <p:spPr>
               <a:xfrm>
-                <a:off x="2112818" y="2674484"/>
+                <a:off x="1972141" y="2738114"/>
                 <a:ext cx="4821382" cy="427746"/>
               </a:xfrm>
               <a:prstGeom prst="rect">
@@ -29494,7 +30276,7 @@
             </p:nvSpPr>
             <p:spPr>
               <a:xfrm>
-                <a:off x="2112818" y="2674484"/>
+                <a:off x="1972141" y="2738114"/>
                 <a:ext cx="4821382" cy="427746"/>
               </a:xfrm>
               <a:prstGeom prst="rect">
@@ -29503,7 +30285,7 @@
               <a:blipFill>
                 <a:blip r:embed="rId6"/>
                 <a:stretch>
-                  <a:fillRect b="-4286"/>
+                  <a:fillRect b="-5714"/>
                 </a:stretch>
               </a:blipFill>
             </p:spPr>
@@ -29538,7 +30320,7 @@
             </p:nvSpPr>
             <p:spPr>
               <a:xfrm>
-                <a:off x="-173182" y="3383974"/>
+                <a:off x="-313859" y="3447604"/>
                 <a:ext cx="4821382" cy="427746"/>
               </a:xfrm>
               <a:prstGeom prst="rect">
@@ -29658,7 +30440,7 @@
             </p:nvSpPr>
             <p:spPr>
               <a:xfrm>
-                <a:off x="-173182" y="3383974"/>
+                <a:off x="-313859" y="3447604"/>
                 <a:ext cx="4821382" cy="427746"/>
               </a:xfrm>
               <a:prstGeom prst="rect">
@@ -29667,7 +30449,7 @@
               <a:blipFill>
                 <a:blip r:embed="rId7"/>
                 <a:stretch>
-                  <a:fillRect b="-5714"/>
+                  <a:fillRect b="-4286"/>
                 </a:stretch>
               </a:blipFill>
             </p:spPr>
@@ -29702,7 +30484,7 @@
             </p:nvSpPr>
             <p:spPr>
               <a:xfrm>
-                <a:off x="2265218" y="3332696"/>
+                <a:off x="2124541" y="3396326"/>
                 <a:ext cx="4668982" cy="427746"/>
               </a:xfrm>
               <a:prstGeom prst="rect">
@@ -29822,7 +30604,7 @@
             </p:nvSpPr>
             <p:spPr>
               <a:xfrm>
-                <a:off x="2265218" y="3332696"/>
+                <a:off x="2124541" y="3396326"/>
                 <a:ext cx="4668982" cy="427746"/>
               </a:xfrm>
               <a:prstGeom prst="rect">
@@ -29831,7 +30613,7 @@
               <a:blipFill>
                 <a:blip r:embed="rId8"/>
                 <a:stretch>
-                  <a:fillRect b="-4286"/>
+                  <a:fillRect b="-5714"/>
                 </a:stretch>
               </a:blipFill>
             </p:spPr>
@@ -29866,7 +30648,7 @@
             </p:nvSpPr>
             <p:spPr>
               <a:xfrm>
-                <a:off x="-96982" y="4171250"/>
+                <a:off x="-237659" y="4155903"/>
                 <a:ext cx="4668982" cy="437749"/>
               </a:xfrm>
               <a:prstGeom prst="rect">
@@ -29915,6 +30697,7 @@
                               <a:solidFill>
                                 <a:schemeClr val="tx1"/>
                               </a:solidFill>
+                              <a:latin typeface="Cambria Math" panose="02040503050406030204" pitchFamily="18" charset="0"/>
                             </a:rPr>
                             <m:t>𝜷</m:t>
                           </m:r>
@@ -30155,7 +30938,7 @@
             </p:nvSpPr>
             <p:spPr>
               <a:xfrm>
-                <a:off x="-96982" y="4171250"/>
+                <a:off x="-237659" y="4155903"/>
                 <a:ext cx="4668982" cy="437749"/>
               </a:xfrm>
               <a:prstGeom prst="rect">
@@ -30164,7 +30947,7 @@
               <a:blipFill>
                 <a:blip r:embed="rId9"/>
                 <a:stretch>
-                  <a:fillRect b="-4167"/>
+                  <a:fillRect b="-2778"/>
                 </a:stretch>
               </a:blipFill>
             </p:spPr>
@@ -30199,7 +30982,7 @@
             </p:nvSpPr>
             <p:spPr>
               <a:xfrm>
-                <a:off x="2189018" y="4170710"/>
+                <a:off x="2048341" y="4155363"/>
                 <a:ext cx="4668982" cy="412036"/>
               </a:xfrm>
               <a:prstGeom prst="rect">
@@ -30389,7 +31172,7 @@
             </p:nvSpPr>
             <p:spPr>
               <a:xfrm>
-                <a:off x="2189018" y="4170710"/>
+                <a:off x="2048341" y="4155363"/>
                 <a:ext cx="4668982" cy="412036"/>
               </a:xfrm>
               <a:prstGeom prst="rect">
@@ -30866,15 +31649,7 @@
             </a:r>
             <a:r>
               <a:rPr lang="ro-RO" sz="1100" dirty="0"/>
-              <a:t>/</a:t>
-            </a:r>
-            <a:r>
-              <a:rPr lang="ro-RO" sz="1100" dirty="0" err="1"/>
-              <a:t>bidirectional</a:t>
-            </a:r>
-            <a:r>
-              <a:rPr lang="ro-RO" sz="1100" dirty="0"/>
-              <a:t>). Aceste opțiuni pentru model sunt: </a:t>
+              <a:t>/bidirecțional). Aceste opțiuni pentru model sunt: </a:t>
             </a:r>
             <a:r>
               <a:rPr lang="ro-RO" sz="1100" dirty="0" err="1"/>
@@ -42318,8 +43093,8 @@
           </a:p>
         </p:txBody>
       </p:sp>
-      <mc:AlternateContent xmlns:mc="http://schemas.openxmlformats.org/markup-compatibility/2006">
-        <mc:Choice xmlns:a14="http://schemas.microsoft.com/office/drawing/2010/main" Requires="a14">
+      <mc:AlternateContent xmlns:mc="http://schemas.openxmlformats.org/markup-compatibility/2006" xmlns:a14="http://schemas.microsoft.com/office/drawing/2010/main">
+        <mc:Choice Requires="a14">
           <p:sp>
             <p:nvSpPr>
               <p:cNvPr id="20" name="TextBox 19">
@@ -42518,7 +43293,7 @@
             </p:txBody>
           </p:sp>
         </mc:Choice>
-        <mc:Fallback>
+        <mc:Fallback xmlns="">
           <p:sp>
             <p:nvSpPr>
               <p:cNvPr id="20" name="TextBox 19">

--- a/docs/pos_tagging_prezentare.pptx
+++ b/docs/pos_tagging_prezentare.pptx
@@ -14071,8 +14071,8 @@
           </a:prstGeom>
         </p:spPr>
       </p:pic>
-      <mc:AlternateContent xmlns:mc="http://schemas.openxmlformats.org/markup-compatibility/2006">
-        <mc:Choice xmlns:a14="http://schemas.microsoft.com/office/drawing/2010/main" Requires="a14">
+      <mc:AlternateContent xmlns:mc="http://schemas.openxmlformats.org/markup-compatibility/2006" xmlns:a14="http://schemas.microsoft.com/office/drawing/2010/main">
+        <mc:Choice Requires="a14">
           <p:sp>
             <p:nvSpPr>
               <p:cNvPr id="11" name="Google Shape;125;p17">
@@ -14698,7 +14698,7 @@
             </p:txBody>
           </p:sp>
         </mc:Choice>
-        <mc:Fallback>
+        <mc:Fallback xmlns="">
           <p:sp>
             <p:nvSpPr>
               <p:cNvPr id="11" name="Google Shape;125;p17">
@@ -15816,8 +15816,8 @@
           </a:p>
         </p:txBody>
       </p:sp>
-      <mc:AlternateContent xmlns:mc="http://schemas.openxmlformats.org/markup-compatibility/2006" xmlns:a14="http://schemas.microsoft.com/office/drawing/2010/main">
-        <mc:Choice Requires="a14">
+      <mc:AlternateContent xmlns:mc="http://schemas.openxmlformats.org/markup-compatibility/2006">
+        <mc:Choice xmlns:a14="http://schemas.microsoft.com/office/drawing/2010/main" Requires="a14">
           <p:sp>
             <p:nvSpPr>
               <p:cNvPr id="12" name="TextBox 11">
@@ -15832,7 +15832,7 @@
             </p:nvSpPr>
             <p:spPr>
               <a:xfrm>
-                <a:off x="679440" y="1712397"/>
+                <a:off x="679440" y="1666033"/>
                 <a:ext cx="4572000" cy="546816"/>
               </a:xfrm>
               <a:prstGeom prst="rect">
@@ -16154,7 +16154,7 @@
             </p:txBody>
           </p:sp>
         </mc:Choice>
-        <mc:Fallback xmlns="">
+        <mc:Fallback>
           <p:sp>
             <p:nvSpPr>
               <p:cNvPr id="12" name="TextBox 11">
@@ -16171,7 +16171,7 @@
             </p:nvSpPr>
             <p:spPr>
               <a:xfrm>
-                <a:off x="679440" y="1712397"/>
+                <a:off x="679440" y="1666033"/>
                 <a:ext cx="4572000" cy="546816"/>
               </a:xfrm>
               <a:prstGeom prst="rect">
@@ -16199,8 +16199,8 @@
           </p:sp>
         </mc:Fallback>
       </mc:AlternateContent>
-      <mc:AlternateContent xmlns:mc="http://schemas.openxmlformats.org/markup-compatibility/2006" xmlns:a14="http://schemas.microsoft.com/office/drawing/2010/main">
-        <mc:Choice Requires="a14">
+      <mc:AlternateContent xmlns:mc="http://schemas.openxmlformats.org/markup-compatibility/2006">
+        <mc:Choice xmlns:a14="http://schemas.microsoft.com/office/drawing/2010/main" Requires="a14">
           <p:sp>
             <p:nvSpPr>
               <p:cNvPr id="17" name="Google Shape;125;p17">
@@ -16217,7 +16217,7 @@
             </p:nvSpPr>
             <p:spPr>
               <a:xfrm>
-                <a:off x="4356436" y="1584729"/>
+                <a:off x="4356436" y="1538365"/>
                 <a:ext cx="4331854" cy="619800"/>
               </a:xfrm>
               <a:prstGeom prst="rect">
@@ -16978,7 +16978,7 @@
             </p:txBody>
           </p:sp>
         </mc:Choice>
-        <mc:Fallback xmlns="">
+        <mc:Fallback>
           <p:sp>
             <p:nvSpPr>
               <p:cNvPr id="17" name="Google Shape;125;p17">
@@ -16995,7 +16995,7 @@
             </p:nvSpPr>
             <p:spPr>
               <a:xfrm>
-                <a:off x="4356436" y="1584729"/>
+                <a:off x="4356436" y="1538365"/>
                 <a:ext cx="4331854" cy="619800"/>
               </a:xfrm>
               <a:prstGeom prst="rect">
@@ -17004,7 +17004,7 @@
               <a:blipFill>
                 <a:blip r:embed="rId4"/>
                 <a:stretch>
-                  <a:fillRect b="-22549"/>
+                  <a:fillRect b="-23529"/>
                 </a:stretch>
               </a:blipFill>
               <a:ln>
@@ -17042,7 +17042,7 @@
         </p:nvSpPr>
         <p:spPr>
           <a:xfrm>
-            <a:off x="679439" y="2466764"/>
+            <a:off x="679440" y="2374036"/>
             <a:ext cx="7801135" cy="619800"/>
           </a:xfrm>
           <a:prstGeom prst="rect">
@@ -17379,8 +17379,8 @@
           </a:p>
         </p:txBody>
       </p:sp>
-      <mc:AlternateContent xmlns:mc="http://schemas.openxmlformats.org/markup-compatibility/2006" xmlns:a14="http://schemas.microsoft.com/office/drawing/2010/main">
-        <mc:Choice Requires="a14">
+      <mc:AlternateContent xmlns:mc="http://schemas.openxmlformats.org/markup-compatibility/2006">
+        <mc:Choice xmlns:a14="http://schemas.microsoft.com/office/drawing/2010/main" Requires="a14">
           <p:sp>
             <p:nvSpPr>
               <p:cNvPr id="19" name="TextBox 18">
@@ -17395,7 +17395,7 @@
             </p:nvSpPr>
             <p:spPr>
               <a:xfrm>
-                <a:off x="87746" y="3240580"/>
+                <a:off x="87746" y="3211159"/>
                 <a:ext cx="5823526" cy="509050"/>
               </a:xfrm>
               <a:prstGeom prst="rect">
@@ -17576,7 +17576,7 @@
             </p:txBody>
           </p:sp>
         </mc:Choice>
-        <mc:Fallback xmlns="">
+        <mc:Fallback>
           <p:sp>
             <p:nvSpPr>
               <p:cNvPr id="19" name="TextBox 18">
@@ -17593,7 +17593,7 @@
             </p:nvSpPr>
             <p:spPr>
               <a:xfrm>
-                <a:off x="87746" y="3240580"/>
+                <a:off x="87746" y="3211159"/>
                 <a:ext cx="5823526" cy="509050"/>
               </a:xfrm>
               <a:prstGeom prst="rect">
@@ -17621,8 +17621,8 @@
           </p:sp>
         </mc:Fallback>
       </mc:AlternateContent>
-      <mc:AlternateContent xmlns:mc="http://schemas.openxmlformats.org/markup-compatibility/2006" xmlns:a14="http://schemas.microsoft.com/office/drawing/2010/main">
-        <mc:Choice Requires="a14">
+      <mc:AlternateContent xmlns:mc="http://schemas.openxmlformats.org/markup-compatibility/2006">
+        <mc:Choice xmlns:a14="http://schemas.microsoft.com/office/drawing/2010/main" Requires="a14">
           <p:sp>
             <p:nvSpPr>
               <p:cNvPr id="21" name="TextBox 20">
@@ -17637,7 +17637,7 @@
             </p:nvSpPr>
             <p:spPr>
               <a:xfrm>
-                <a:off x="18473" y="3745079"/>
+                <a:off x="18473" y="3715658"/>
                 <a:ext cx="5962072" cy="546816"/>
               </a:xfrm>
               <a:prstGeom prst="rect">
@@ -18013,7 +18013,7 @@
             </p:txBody>
           </p:sp>
         </mc:Choice>
-        <mc:Fallback xmlns="">
+        <mc:Fallback>
           <p:sp>
             <p:nvSpPr>
               <p:cNvPr id="21" name="TextBox 20">
@@ -18030,7 +18030,7 @@
             </p:nvSpPr>
             <p:spPr>
               <a:xfrm>
-                <a:off x="18473" y="3745079"/>
+                <a:off x="18473" y="3715658"/>
                 <a:ext cx="5962072" cy="546816"/>
               </a:xfrm>
               <a:prstGeom prst="rect">
@@ -18039,7 +18039,7 @@
               <a:blipFill>
                 <a:blip r:embed="rId6"/>
                 <a:stretch>
-                  <a:fillRect t="-34444" b="-68889"/>
+                  <a:fillRect t="-34831" b="-70787"/>
                 </a:stretch>
               </a:blipFill>
             </p:spPr>
@@ -18058,8 +18058,8 @@
           </p:sp>
         </mc:Fallback>
       </mc:AlternateContent>
-      <mc:AlternateContent xmlns:mc="http://schemas.openxmlformats.org/markup-compatibility/2006" xmlns:a14="http://schemas.microsoft.com/office/drawing/2010/main">
-        <mc:Choice Requires="a14">
+      <mc:AlternateContent xmlns:mc="http://schemas.openxmlformats.org/markup-compatibility/2006">
+        <mc:Choice xmlns:a14="http://schemas.microsoft.com/office/drawing/2010/main" Requires="a14">
           <p:sp>
             <p:nvSpPr>
               <p:cNvPr id="23" name="TextBox 22">
@@ -18074,7 +18074,7 @@
             </p:nvSpPr>
             <p:spPr>
               <a:xfrm>
-                <a:off x="0" y="4316234"/>
+                <a:off x="0" y="4286813"/>
                 <a:ext cx="5999018" cy="546816"/>
               </a:xfrm>
               <a:prstGeom prst="rect">
@@ -18642,7 +18642,7 @@
             </p:txBody>
           </p:sp>
         </mc:Choice>
-        <mc:Fallback xmlns="">
+        <mc:Fallback>
           <p:sp>
             <p:nvSpPr>
               <p:cNvPr id="23" name="TextBox 22">
@@ -18659,7 +18659,7 @@
             </p:nvSpPr>
             <p:spPr>
               <a:xfrm>
-                <a:off x="0" y="4316234"/>
+                <a:off x="0" y="4286813"/>
                 <a:ext cx="5999018" cy="546816"/>
               </a:xfrm>
               <a:prstGeom prst="rect">
@@ -18703,7 +18703,7 @@
         </p:nvSpPr>
         <p:spPr>
           <a:xfrm>
-            <a:off x="831840" y="3308560"/>
+            <a:off x="831840" y="3279139"/>
             <a:ext cx="837780" cy="373091"/>
           </a:xfrm>
           <a:prstGeom prst="rect">
@@ -19012,7 +19012,7 @@
         </p:nvSpPr>
         <p:spPr>
           <a:xfrm>
-            <a:off x="831840" y="3824321"/>
+            <a:off x="831840" y="3794900"/>
             <a:ext cx="837780" cy="373091"/>
           </a:xfrm>
           <a:prstGeom prst="rect">
@@ -19321,7 +19321,7 @@
         </p:nvSpPr>
         <p:spPr>
           <a:xfrm>
-            <a:off x="831840" y="4392081"/>
+            <a:off x="831840" y="4362660"/>
             <a:ext cx="837780" cy="373091"/>
           </a:xfrm>
           <a:prstGeom prst="rect">
@@ -19614,8 +19614,8 @@
           </a:p>
         </p:txBody>
       </p:sp>
-      <mc:AlternateContent xmlns:mc="http://schemas.openxmlformats.org/markup-compatibility/2006" xmlns:a14="http://schemas.microsoft.com/office/drawing/2010/main">
-        <mc:Choice Requires="a14">
+      <mc:AlternateContent xmlns:mc="http://schemas.openxmlformats.org/markup-compatibility/2006">
+        <mc:Choice xmlns:a14="http://schemas.microsoft.com/office/drawing/2010/main" Requires="a14">
           <p:sp>
             <p:nvSpPr>
               <p:cNvPr id="29" name="Google Shape;125;p17">
@@ -19632,7 +19632,7 @@
             </p:nvSpPr>
             <p:spPr>
               <a:xfrm>
-                <a:off x="4356436" y="3201676"/>
+                <a:off x="4356436" y="3172255"/>
                 <a:ext cx="4266632" cy="618747"/>
               </a:xfrm>
               <a:prstGeom prst="rect">
@@ -20678,7 +20678,7 @@
             </p:txBody>
           </p:sp>
         </mc:Choice>
-        <mc:Fallback xmlns="">
+        <mc:Fallback>
           <p:sp>
             <p:nvSpPr>
               <p:cNvPr id="29" name="Google Shape;125;p17">
@@ -20695,7 +20695,7 @@
             </p:nvSpPr>
             <p:spPr>
               <a:xfrm>
-                <a:off x="4356436" y="3201676"/>
+                <a:off x="4356436" y="3172255"/>
                 <a:ext cx="4266632" cy="618747"/>
               </a:xfrm>
               <a:prstGeom prst="rect">
@@ -21859,8 +21859,8 @@
           </p:sp>
         </mc:Fallback>
       </mc:AlternateContent>
-      <mc:AlternateContent xmlns:mc="http://schemas.openxmlformats.org/markup-compatibility/2006">
-        <mc:Choice xmlns:a14="http://schemas.microsoft.com/office/drawing/2010/main" Requires="a14">
+      <mc:AlternateContent xmlns:mc="http://schemas.openxmlformats.org/markup-compatibility/2006" xmlns:a14="http://schemas.microsoft.com/office/drawing/2010/main">
+        <mc:Choice Requires="a14">
           <p:sp>
             <p:nvSpPr>
               <p:cNvPr id="22" name="Google Shape;125;p17">
@@ -22192,7 +22192,7 @@
             </p:txBody>
           </p:sp>
         </mc:Choice>
-        <mc:Fallback>
+        <mc:Fallback xmlns="">
           <p:sp>
             <p:nvSpPr>
               <p:cNvPr id="22" name="Google Shape;125;p17">
@@ -22240,8 +22240,8 @@
           </p:sp>
         </mc:Fallback>
       </mc:AlternateContent>
-      <mc:AlternateContent xmlns:mc="http://schemas.openxmlformats.org/markup-compatibility/2006">
-        <mc:Choice xmlns:a14="http://schemas.microsoft.com/office/drawing/2010/main" Requires="a14">
+      <mc:AlternateContent xmlns:mc="http://schemas.openxmlformats.org/markup-compatibility/2006" xmlns:a14="http://schemas.microsoft.com/office/drawing/2010/main">
+        <mc:Choice Requires="a14">
           <p:sp>
             <p:nvSpPr>
               <p:cNvPr id="25" name="TextBox 24">
@@ -22436,7 +22436,7 @@
             </p:txBody>
           </p:sp>
         </mc:Choice>
-        <mc:Fallback>
+        <mc:Fallback xmlns="">
           <p:sp>
             <p:nvSpPr>
               <p:cNvPr id="25" name="TextBox 24">
@@ -22481,8 +22481,8 @@
           </p:sp>
         </mc:Fallback>
       </mc:AlternateContent>
-      <mc:AlternateContent xmlns:mc="http://schemas.openxmlformats.org/markup-compatibility/2006">
-        <mc:Choice xmlns:a14="http://schemas.microsoft.com/office/drawing/2010/main" Requires="a14">
+      <mc:AlternateContent xmlns:mc="http://schemas.openxmlformats.org/markup-compatibility/2006" xmlns:a14="http://schemas.microsoft.com/office/drawing/2010/main">
+        <mc:Choice Requires="a14">
           <p:sp>
             <p:nvSpPr>
               <p:cNvPr id="28" name="Google Shape;125;p17">
@@ -22948,7 +22948,7 @@
             </p:txBody>
           </p:sp>
         </mc:Choice>
-        <mc:Fallback>
+        <mc:Fallback xmlns="">
           <p:sp>
             <p:nvSpPr>
               <p:cNvPr id="28" name="Google Shape;125;p17">
@@ -26097,8 +26097,8 @@
           </a:p>
         </p:txBody>
       </p:sp>
-      <mc:AlternateContent xmlns:mc="http://schemas.openxmlformats.org/markup-compatibility/2006">
-        <mc:Choice xmlns:a14="http://schemas.microsoft.com/office/drawing/2010/main" Requires="a14">
+      <mc:AlternateContent xmlns:mc="http://schemas.openxmlformats.org/markup-compatibility/2006" xmlns:a14="http://schemas.microsoft.com/office/drawing/2010/main">
+        <mc:Choice Requires="a14">
           <p:sp>
             <p:nvSpPr>
               <p:cNvPr id="14" name="TextBox 13">
@@ -26325,7 +26325,7 @@
             </p:txBody>
           </p:sp>
         </mc:Choice>
-        <mc:Fallback>
+        <mc:Fallback xmlns="">
           <p:sp>
             <p:nvSpPr>
               <p:cNvPr id="14" name="TextBox 13">
@@ -27739,8 +27739,8 @@
           </a:p>
         </p:txBody>
       </p:sp>
-      <mc:AlternateContent xmlns:mc="http://schemas.openxmlformats.org/markup-compatibility/2006">
-        <mc:Choice xmlns:a14="http://schemas.microsoft.com/office/drawing/2010/main" Requires="a14">
+      <mc:AlternateContent xmlns:mc="http://schemas.openxmlformats.org/markup-compatibility/2006" xmlns:a14="http://schemas.microsoft.com/office/drawing/2010/main">
+        <mc:Choice Requires="a14">
           <p:sp>
             <p:nvSpPr>
               <p:cNvPr id="9" name="TextBox 8">
@@ -28122,7 +28122,7 @@
             </p:txBody>
           </p:sp>
         </mc:Choice>
-        <mc:Fallback>
+        <mc:Fallback xmlns="">
           <p:sp>
             <p:nvSpPr>
               <p:cNvPr id="9" name="TextBox 8">
@@ -28197,8 +28197,8 @@
           </a:prstGeom>
         </p:spPr>
       </p:pic>
-      <mc:AlternateContent xmlns:mc="http://schemas.openxmlformats.org/markup-compatibility/2006">
-        <mc:Choice xmlns:a14="http://schemas.microsoft.com/office/drawing/2010/main" Requires="a14">
+      <mc:AlternateContent xmlns:mc="http://schemas.openxmlformats.org/markup-compatibility/2006" xmlns:a14="http://schemas.microsoft.com/office/drawing/2010/main">
+        <mc:Choice Requires="a14">
           <p:sp>
             <p:nvSpPr>
               <p:cNvPr id="13" name="TextBox 12">
@@ -28951,7 +28951,7 @@
             </p:txBody>
           </p:sp>
         </mc:Choice>
-        <mc:Fallback>
+        <mc:Fallback xmlns="">
           <p:sp>
             <p:nvSpPr>
               <p:cNvPr id="13" name="TextBox 12">
@@ -29922,8 +29922,8 @@
           </a:effectLst>
         </p:spPr>
       </p:pic>
-      <mc:AlternateContent xmlns:mc="http://schemas.openxmlformats.org/markup-compatibility/2006">
-        <mc:Choice xmlns:a14="http://schemas.microsoft.com/office/drawing/2010/main" Requires="a14">
+      <mc:AlternateContent xmlns:mc="http://schemas.openxmlformats.org/markup-compatibility/2006" xmlns:a14="http://schemas.microsoft.com/office/drawing/2010/main">
+        <mc:Choice Requires="a14">
           <p:sp>
             <p:nvSpPr>
               <p:cNvPr id="16" name="TextBox 15">
@@ -30095,7 +30095,7 @@
             </p:txBody>
           </p:sp>
         </mc:Choice>
-        <mc:Fallback>
+        <mc:Fallback xmlns="">
           <p:sp>
             <p:nvSpPr>
               <p:cNvPr id="16" name="TextBox 15">
@@ -30140,8 +30140,8 @@
           </p:sp>
         </mc:Fallback>
       </mc:AlternateContent>
-      <mc:AlternateContent xmlns:mc="http://schemas.openxmlformats.org/markup-compatibility/2006">
-        <mc:Choice xmlns:a14="http://schemas.microsoft.com/office/drawing/2010/main" Requires="a14">
+      <mc:AlternateContent xmlns:mc="http://schemas.openxmlformats.org/markup-compatibility/2006" xmlns:a14="http://schemas.microsoft.com/office/drawing/2010/main">
+        <mc:Choice Requires="a14">
           <p:sp>
             <p:nvSpPr>
               <p:cNvPr id="17" name="TextBox 16">
@@ -30259,7 +30259,7 @@
             </p:txBody>
           </p:sp>
         </mc:Choice>
-        <mc:Fallback>
+        <mc:Fallback xmlns="">
           <p:sp>
             <p:nvSpPr>
               <p:cNvPr id="17" name="TextBox 16">
@@ -30304,8 +30304,8 @@
           </p:sp>
         </mc:Fallback>
       </mc:AlternateContent>
-      <mc:AlternateContent xmlns:mc="http://schemas.openxmlformats.org/markup-compatibility/2006">
-        <mc:Choice xmlns:a14="http://schemas.microsoft.com/office/drawing/2010/main" Requires="a14">
+      <mc:AlternateContent xmlns:mc="http://schemas.openxmlformats.org/markup-compatibility/2006" xmlns:a14="http://schemas.microsoft.com/office/drawing/2010/main">
+        <mc:Choice Requires="a14">
           <p:sp>
             <p:nvSpPr>
               <p:cNvPr id="19" name="TextBox 18">
@@ -30423,7 +30423,7 @@
             </p:txBody>
           </p:sp>
         </mc:Choice>
-        <mc:Fallback>
+        <mc:Fallback xmlns="">
           <p:sp>
             <p:nvSpPr>
               <p:cNvPr id="19" name="TextBox 18">
@@ -30468,8 +30468,8 @@
           </p:sp>
         </mc:Fallback>
       </mc:AlternateContent>
-      <mc:AlternateContent xmlns:mc="http://schemas.openxmlformats.org/markup-compatibility/2006">
-        <mc:Choice xmlns:a14="http://schemas.microsoft.com/office/drawing/2010/main" Requires="a14">
+      <mc:AlternateContent xmlns:mc="http://schemas.openxmlformats.org/markup-compatibility/2006" xmlns:a14="http://schemas.microsoft.com/office/drawing/2010/main">
+        <mc:Choice Requires="a14">
           <p:sp>
             <p:nvSpPr>
               <p:cNvPr id="21" name="TextBox 20">
@@ -30587,7 +30587,7 @@
             </p:txBody>
           </p:sp>
         </mc:Choice>
-        <mc:Fallback>
+        <mc:Fallback xmlns="">
           <p:sp>
             <p:nvSpPr>
               <p:cNvPr id="21" name="TextBox 20">
@@ -30632,8 +30632,8 @@
           </p:sp>
         </mc:Fallback>
       </mc:AlternateContent>
-      <mc:AlternateContent xmlns:mc="http://schemas.openxmlformats.org/markup-compatibility/2006">
-        <mc:Choice xmlns:a14="http://schemas.microsoft.com/office/drawing/2010/main" Requires="a14">
+      <mc:AlternateContent xmlns:mc="http://schemas.openxmlformats.org/markup-compatibility/2006" xmlns:a14="http://schemas.microsoft.com/office/drawing/2010/main">
+        <mc:Choice Requires="a14">
           <p:sp>
             <p:nvSpPr>
               <p:cNvPr id="23" name="TextBox 22">
@@ -30921,7 +30921,7 @@
             </p:txBody>
           </p:sp>
         </mc:Choice>
-        <mc:Fallback>
+        <mc:Fallback xmlns="">
           <p:sp>
             <p:nvSpPr>
               <p:cNvPr id="23" name="TextBox 22">
@@ -30966,8 +30966,8 @@
           </p:sp>
         </mc:Fallback>
       </mc:AlternateContent>
-      <mc:AlternateContent xmlns:mc="http://schemas.openxmlformats.org/markup-compatibility/2006">
-        <mc:Choice xmlns:a14="http://schemas.microsoft.com/office/drawing/2010/main" Requires="a14">
+      <mc:AlternateContent xmlns:mc="http://schemas.openxmlformats.org/markup-compatibility/2006" xmlns:a14="http://schemas.microsoft.com/office/drawing/2010/main">
+        <mc:Choice Requires="a14">
           <p:sp>
             <p:nvSpPr>
               <p:cNvPr id="25" name="TextBox 24">
@@ -31155,7 +31155,7 @@
             </p:txBody>
           </p:sp>
         </mc:Choice>
-        <mc:Fallback>
+        <mc:Fallback xmlns="">
           <p:sp>
             <p:nvSpPr>
               <p:cNvPr id="25" name="TextBox 24">
